--- a/Slides/Baseball 4/Baseball_4_Lecture.pptx
+++ b/Slides/Baseball 4/Baseball_4_Lecture.pptx
@@ -213,7 +213,7 @@
           <a:p>
             <a:fld id="{C04E5E84-956F-4423-97B3-5936A6D8EEEE}" type="datetimeFigureOut">
               <a:rPr lang="en-US" smtClean="0"/>
-              <a:t>9/10/2019</a:t>
+              <a:t>9/4/2020</a:t>
             </a:fld>
             <a:endParaRPr lang="en-US"/>
           </a:p>
@@ -627,7 +627,7 @@
           <a:p>
             <a:fld id="{3881C039-66A3-4640-815B-3B5A8B7D868D}" type="datetimeFigureOut">
               <a:rPr lang="en-US" smtClean="0"/>
-              <a:t>9/10/2019</a:t>
+              <a:t>9/4/2020</a:t>
             </a:fld>
             <a:endParaRPr lang="en-US"/>
           </a:p>
@@ -825,7 +825,7 @@
           <a:p>
             <a:fld id="{3881C039-66A3-4640-815B-3B5A8B7D868D}" type="datetimeFigureOut">
               <a:rPr lang="en-US" smtClean="0"/>
-              <a:t>9/10/2019</a:t>
+              <a:t>9/4/2020</a:t>
             </a:fld>
             <a:endParaRPr lang="en-US"/>
           </a:p>
@@ -1033,7 +1033,7 @@
           <a:p>
             <a:fld id="{3881C039-66A3-4640-815B-3B5A8B7D868D}" type="datetimeFigureOut">
               <a:rPr lang="en-US" smtClean="0"/>
-              <a:t>9/10/2019</a:t>
+              <a:t>9/4/2020</a:t>
             </a:fld>
             <a:endParaRPr lang="en-US"/>
           </a:p>
@@ -1231,7 +1231,7 @@
           <a:p>
             <a:fld id="{3881C039-66A3-4640-815B-3B5A8B7D868D}" type="datetimeFigureOut">
               <a:rPr lang="en-US" smtClean="0"/>
-              <a:t>9/10/2019</a:t>
+              <a:t>9/4/2020</a:t>
             </a:fld>
             <a:endParaRPr lang="en-US"/>
           </a:p>
@@ -1506,7 +1506,7 @@
           <a:p>
             <a:fld id="{3881C039-66A3-4640-815B-3B5A8B7D868D}" type="datetimeFigureOut">
               <a:rPr lang="en-US" smtClean="0"/>
-              <a:t>9/10/2019</a:t>
+              <a:t>9/4/2020</a:t>
             </a:fld>
             <a:endParaRPr lang="en-US"/>
           </a:p>
@@ -1771,7 +1771,7 @@
           <a:p>
             <a:fld id="{3881C039-66A3-4640-815B-3B5A8B7D868D}" type="datetimeFigureOut">
               <a:rPr lang="en-US" smtClean="0"/>
-              <a:t>9/10/2019</a:t>
+              <a:t>9/4/2020</a:t>
             </a:fld>
             <a:endParaRPr lang="en-US"/>
           </a:p>
@@ -2183,7 +2183,7 @@
           <a:p>
             <a:fld id="{3881C039-66A3-4640-815B-3B5A8B7D868D}" type="datetimeFigureOut">
               <a:rPr lang="en-US" smtClean="0"/>
-              <a:t>9/10/2019</a:t>
+              <a:t>9/4/2020</a:t>
             </a:fld>
             <a:endParaRPr lang="en-US"/>
           </a:p>
@@ -2324,7 +2324,7 @@
           <a:p>
             <a:fld id="{3881C039-66A3-4640-815B-3B5A8B7D868D}" type="datetimeFigureOut">
               <a:rPr lang="en-US" smtClean="0"/>
-              <a:t>9/10/2019</a:t>
+              <a:t>9/4/2020</a:t>
             </a:fld>
             <a:endParaRPr lang="en-US"/>
           </a:p>
@@ -2437,7 +2437,7 @@
           <a:p>
             <a:fld id="{3881C039-66A3-4640-815B-3B5A8B7D868D}" type="datetimeFigureOut">
               <a:rPr lang="en-US" smtClean="0"/>
-              <a:t>9/10/2019</a:t>
+              <a:t>9/4/2020</a:t>
             </a:fld>
             <a:endParaRPr lang="en-US"/>
           </a:p>
@@ -2748,7 +2748,7 @@
           <a:p>
             <a:fld id="{3881C039-66A3-4640-815B-3B5A8B7D868D}" type="datetimeFigureOut">
               <a:rPr lang="en-US" smtClean="0"/>
-              <a:t>9/10/2019</a:t>
+              <a:t>9/4/2020</a:t>
             </a:fld>
             <a:endParaRPr lang="en-US"/>
           </a:p>
@@ -3036,7 +3036,7 @@
           <a:p>
             <a:fld id="{3881C039-66A3-4640-815B-3B5A8B7D868D}" type="datetimeFigureOut">
               <a:rPr lang="en-US" smtClean="0"/>
-              <a:t>9/10/2019</a:t>
+              <a:t>9/4/2020</a:t>
             </a:fld>
             <a:endParaRPr lang="en-US"/>
           </a:p>
@@ -3280,7 +3280,7 @@
           <a:p>
             <a:fld id="{3881C039-66A3-4640-815B-3B5A8B7D868D}" type="datetimeFigureOut">
               <a:rPr lang="en-US" smtClean="0"/>
-              <a:t>9/10/2019</a:t>
+              <a:t>9/4/2020</a:t>
             </a:fld>
             <a:endParaRPr lang="en-US"/>
           </a:p>
@@ -4817,19 +4817,24 @@
                   <a:schemeClr val="bg1"/>
                 </a:solidFill>
               </a:rPr>
-              <a:t>Average</a:t>
+              <a:t>Team</a:t>
             </a:r>
           </a:p>
           <a:p>
             <a:pPr algn="ctr"/>
             <a:r>
-              <a:rPr lang="en-US" sz="3200" b="0" dirty="0">
+              <a:rPr lang="en-US" sz="3200" b="0">
                 <a:solidFill>
                   <a:schemeClr val="bg1"/>
                 </a:solidFill>
               </a:rPr>
-              <a:t>Team</a:t>
-            </a:r>
+              <a:t>With</a:t>
+            </a:r>
+            <a:endParaRPr lang="en-US" sz="3200" b="0" dirty="0">
+              <a:solidFill>
+                <a:schemeClr val="bg1"/>
+              </a:solidFill>
+            </a:endParaRPr>
           </a:p>
         </p:txBody>
       </p:sp>
@@ -5469,8 +5474,8 @@
           </a:p>
         </p:txBody>
       </p:sp>
-      <mc:AlternateContent xmlns:mc="http://schemas.openxmlformats.org/markup-compatibility/2006">
-        <mc:Choice xmlns:a14="http://schemas.microsoft.com/office/drawing/2010/main" Requires="a14">
+      <mc:AlternateContent xmlns:mc="http://schemas.openxmlformats.org/markup-compatibility/2006" xmlns:a14="http://schemas.microsoft.com/office/drawing/2010/main">
+        <mc:Choice Requires="a14">
           <p:sp>
             <p:nvSpPr>
               <p:cNvPr id="11" name="Rectangle 10">
@@ -5561,16 +5566,7 @@
                               </a:solidFill>
                               <a:latin typeface="Cambria Math" panose="02040503050406030204" pitchFamily="18" charset="0"/>
                             </a:rPr>
-                            <m:t>𝑬</m:t>
-                          </m:r>
-                          <m:r>
-                            <a:rPr lang="en-US" b="1" i="1" smtClean="0">
-                              <a:solidFill>
-                                <a:schemeClr val="bg1"/>
-                              </a:solidFill>
-                              <a:latin typeface="Cambria Math" panose="02040503050406030204" pitchFamily="18" charset="0"/>
-                            </a:rPr>
-                            <m:t>𝑹</m:t>
+                            <m:t>𝑬𝑹</m:t>
                           </m:r>
                         </m:num>
                         <m:den>
@@ -5597,7 +5593,7 @@
             </p:txBody>
           </p:sp>
         </mc:Choice>
-        <mc:Fallback>
+        <mc:Fallback xmlns="">
           <p:sp>
             <p:nvSpPr>
               <p:cNvPr id="11" name="Rectangle 10">
@@ -5693,8 +5689,8 @@
           </a:p>
         </p:txBody>
       </p:sp>
-      <mc:AlternateContent xmlns:mc="http://schemas.openxmlformats.org/markup-compatibility/2006">
-        <mc:Choice xmlns:a14="http://schemas.microsoft.com/office/drawing/2010/main" Requires="a14">
+      <mc:AlternateContent xmlns:mc="http://schemas.openxmlformats.org/markup-compatibility/2006" xmlns:a14="http://schemas.microsoft.com/office/drawing/2010/main">
+        <mc:Choice Requires="a14">
           <p:sp>
             <p:nvSpPr>
               <p:cNvPr id="13" name="Rectangle 12">
@@ -5848,7 +5844,7 @@
             </p:txBody>
           </p:sp>
         </mc:Choice>
-        <mc:Fallback>
+        <mc:Fallback xmlns="">
           <p:sp>
             <p:nvSpPr>
               <p:cNvPr id="13" name="Rectangle 12">
@@ -7515,8 +7511,8 @@
           </a:fontRef>
         </p:style>
       </p:cxnSp>
-      <mc:AlternateContent xmlns:mc="http://schemas.openxmlformats.org/markup-compatibility/2006">
-        <mc:Choice xmlns:a14="http://schemas.microsoft.com/office/drawing/2010/main" Requires="a14">
+      <mc:AlternateContent xmlns:mc="http://schemas.openxmlformats.org/markup-compatibility/2006" xmlns:a14="http://schemas.microsoft.com/office/drawing/2010/main">
+        <mc:Choice Requires="a14">
           <p:sp>
             <p:nvSpPr>
               <p:cNvPr id="18" name="TextBox 17">
@@ -7793,7 +7789,7 @@
             </p:txBody>
           </p:sp>
         </mc:Choice>
-        <mc:Fallback>
+        <mc:Fallback xmlns="">
           <p:sp>
             <p:nvSpPr>
               <p:cNvPr id="18" name="TextBox 17">
@@ -8702,8 +8698,8 @@
           </a:fontRef>
         </p:style>
       </p:cxnSp>
-      <mc:AlternateContent xmlns:mc="http://schemas.openxmlformats.org/markup-compatibility/2006">
-        <mc:Choice xmlns:a14="http://schemas.microsoft.com/office/drawing/2010/main" Requires="a14">
+      <mc:AlternateContent xmlns:mc="http://schemas.openxmlformats.org/markup-compatibility/2006" xmlns:a14="http://schemas.microsoft.com/office/drawing/2010/main">
+        <mc:Choice Requires="a14">
           <p:sp>
             <p:nvSpPr>
               <p:cNvPr id="18" name="TextBox 17">
@@ -8980,7 +8976,7 @@
             </p:txBody>
           </p:sp>
         </mc:Choice>
-        <mc:Fallback>
+        <mc:Fallback xmlns="">
           <p:sp>
             <p:nvSpPr>
               <p:cNvPr id="18" name="TextBox 17">
@@ -9838,8 +9834,8 @@
           </a:fontRef>
         </p:style>
       </p:cxnSp>
-      <mc:AlternateContent xmlns:mc="http://schemas.openxmlformats.org/markup-compatibility/2006">
-        <mc:Choice xmlns:a14="http://schemas.microsoft.com/office/drawing/2010/main" Requires="a14">
+      <mc:AlternateContent xmlns:mc="http://schemas.openxmlformats.org/markup-compatibility/2006" xmlns:a14="http://schemas.microsoft.com/office/drawing/2010/main">
+        <mc:Choice Requires="a14">
           <p:sp>
             <p:nvSpPr>
               <p:cNvPr id="14" name="TextBox 13">
@@ -10061,7 +10057,7 @@
             </p:txBody>
           </p:sp>
         </mc:Choice>
-        <mc:Fallback>
+        <mc:Fallback xmlns="">
           <p:sp>
             <p:nvSpPr>
               <p:cNvPr id="14" name="TextBox 13">
@@ -10106,8 +10102,8 @@
           </p:sp>
         </mc:Fallback>
       </mc:AlternateContent>
-      <mc:AlternateContent xmlns:mc="http://schemas.openxmlformats.org/markup-compatibility/2006">
-        <mc:Choice xmlns:a14="http://schemas.microsoft.com/office/drawing/2010/main" Requires="a14">
+      <mc:AlternateContent xmlns:mc="http://schemas.openxmlformats.org/markup-compatibility/2006" xmlns:a14="http://schemas.microsoft.com/office/drawing/2010/main">
+        <mc:Choice Requires="a14">
           <p:sp>
             <p:nvSpPr>
               <p:cNvPr id="19" name="TextBox 18">
@@ -10340,7 +10336,7 @@
             </p:txBody>
           </p:sp>
         </mc:Choice>
-        <mc:Fallback>
+        <mc:Fallback xmlns="">
           <p:sp>
             <p:nvSpPr>
               <p:cNvPr id="19" name="TextBox 18">

--- a/Slides/Baseball 4/Baseball_4_Lecture.pptx
+++ b/Slides/Baseball 4/Baseball_4_Lecture.pptx
@@ -213,7 +213,7 @@
           <a:p>
             <a:fld id="{C04E5E84-956F-4423-97B3-5936A6D8EEEE}" type="datetimeFigureOut">
               <a:rPr lang="en-US" smtClean="0"/>
-              <a:t>9/4/2020</a:t>
+              <a:t>9/7/2021</a:t>
             </a:fld>
             <a:endParaRPr lang="en-US"/>
           </a:p>
@@ -627,7 +627,7 @@
           <a:p>
             <a:fld id="{3881C039-66A3-4640-815B-3B5A8B7D868D}" type="datetimeFigureOut">
               <a:rPr lang="en-US" smtClean="0"/>
-              <a:t>9/4/2020</a:t>
+              <a:t>9/7/2021</a:t>
             </a:fld>
             <a:endParaRPr lang="en-US"/>
           </a:p>
@@ -825,7 +825,7 @@
           <a:p>
             <a:fld id="{3881C039-66A3-4640-815B-3B5A8B7D868D}" type="datetimeFigureOut">
               <a:rPr lang="en-US" smtClean="0"/>
-              <a:t>9/4/2020</a:t>
+              <a:t>9/7/2021</a:t>
             </a:fld>
             <a:endParaRPr lang="en-US"/>
           </a:p>
@@ -1033,7 +1033,7 @@
           <a:p>
             <a:fld id="{3881C039-66A3-4640-815B-3B5A8B7D868D}" type="datetimeFigureOut">
               <a:rPr lang="en-US" smtClean="0"/>
-              <a:t>9/4/2020</a:t>
+              <a:t>9/7/2021</a:t>
             </a:fld>
             <a:endParaRPr lang="en-US"/>
           </a:p>
@@ -1231,7 +1231,7 @@
           <a:p>
             <a:fld id="{3881C039-66A3-4640-815B-3B5A8B7D868D}" type="datetimeFigureOut">
               <a:rPr lang="en-US" smtClean="0"/>
-              <a:t>9/4/2020</a:t>
+              <a:t>9/7/2021</a:t>
             </a:fld>
             <a:endParaRPr lang="en-US"/>
           </a:p>
@@ -1506,7 +1506,7 @@
           <a:p>
             <a:fld id="{3881C039-66A3-4640-815B-3B5A8B7D868D}" type="datetimeFigureOut">
               <a:rPr lang="en-US" smtClean="0"/>
-              <a:t>9/4/2020</a:t>
+              <a:t>9/7/2021</a:t>
             </a:fld>
             <a:endParaRPr lang="en-US"/>
           </a:p>
@@ -1771,7 +1771,7 @@
           <a:p>
             <a:fld id="{3881C039-66A3-4640-815B-3B5A8B7D868D}" type="datetimeFigureOut">
               <a:rPr lang="en-US" smtClean="0"/>
-              <a:t>9/4/2020</a:t>
+              <a:t>9/7/2021</a:t>
             </a:fld>
             <a:endParaRPr lang="en-US"/>
           </a:p>
@@ -2183,7 +2183,7 @@
           <a:p>
             <a:fld id="{3881C039-66A3-4640-815B-3B5A8B7D868D}" type="datetimeFigureOut">
               <a:rPr lang="en-US" smtClean="0"/>
-              <a:t>9/4/2020</a:t>
+              <a:t>9/7/2021</a:t>
             </a:fld>
             <a:endParaRPr lang="en-US"/>
           </a:p>
@@ -2324,7 +2324,7 @@
           <a:p>
             <a:fld id="{3881C039-66A3-4640-815B-3B5A8B7D868D}" type="datetimeFigureOut">
               <a:rPr lang="en-US" smtClean="0"/>
-              <a:t>9/4/2020</a:t>
+              <a:t>9/7/2021</a:t>
             </a:fld>
             <a:endParaRPr lang="en-US"/>
           </a:p>
@@ -2437,7 +2437,7 @@
           <a:p>
             <a:fld id="{3881C039-66A3-4640-815B-3B5A8B7D868D}" type="datetimeFigureOut">
               <a:rPr lang="en-US" smtClean="0"/>
-              <a:t>9/4/2020</a:t>
+              <a:t>9/7/2021</a:t>
             </a:fld>
             <a:endParaRPr lang="en-US"/>
           </a:p>
@@ -2748,7 +2748,7 @@
           <a:p>
             <a:fld id="{3881C039-66A3-4640-815B-3B5A8B7D868D}" type="datetimeFigureOut">
               <a:rPr lang="en-US" smtClean="0"/>
-              <a:t>9/4/2020</a:t>
+              <a:t>9/7/2021</a:t>
             </a:fld>
             <a:endParaRPr lang="en-US"/>
           </a:p>
@@ -3036,7 +3036,7 @@
           <a:p>
             <a:fld id="{3881C039-66A3-4640-815B-3B5A8B7D868D}" type="datetimeFigureOut">
               <a:rPr lang="en-US" smtClean="0"/>
-              <a:t>9/4/2020</a:t>
+              <a:t>9/7/2021</a:t>
             </a:fld>
             <a:endParaRPr lang="en-US"/>
           </a:p>
@@ -3280,7 +3280,7 @@
           <a:p>
             <a:fld id="{3881C039-66A3-4640-815B-3B5A8B7D868D}" type="datetimeFigureOut">
               <a:rPr lang="en-US" smtClean="0"/>
-              <a:t>9/4/2020</a:t>
+              <a:t>9/7/2021</a:t>
             </a:fld>
             <a:endParaRPr lang="en-US"/>
           </a:p>
@@ -16259,7 +16259,7 @@
           <p:nvPr>
             <p:extLst>
               <p:ext uri="{D42A27DB-BD31-4B8C-83A1-F6EECF244321}">
-                <p14:modId xmlns:p14="http://schemas.microsoft.com/office/powerpoint/2010/main" val="1601068105"/>
+                <p14:modId xmlns:p14="http://schemas.microsoft.com/office/powerpoint/2010/main" val="2524912932"/>
               </p:ext>
             </p:extLst>
           </p:nvPr>
@@ -16467,9 +16467,10 @@
                     <a:p>
                       <a:pPr algn="ctr"/>
                       <a:r>
-                        <a:rPr lang="en-US" sz="2800" dirty="0"/>
-                        <a:t>0.72</a:t>
+                        <a:rPr lang="en-US" sz="2800"/>
+                        <a:t>2004</a:t>
                       </a:r>
+                      <a:endParaRPr lang="en-US" sz="2800" dirty="0"/>
                     </a:p>
                   </a:txBody>
                   <a:tcPr anchor="ctr"/>

--- a/Slides/Baseball 4/Baseball_4_Lecture.pptx
+++ b/Slides/Baseball 4/Baseball_4_Lecture.pptx
@@ -213,7 +213,7 @@
           <a:p>
             <a:fld id="{C04E5E84-956F-4423-97B3-5936A6D8EEEE}" type="datetimeFigureOut">
               <a:rPr lang="en-US" smtClean="0"/>
-              <a:t>9/7/2021</a:t>
+              <a:t>9/8/2021</a:t>
             </a:fld>
             <a:endParaRPr lang="en-US"/>
           </a:p>
@@ -627,7 +627,7 @@
           <a:p>
             <a:fld id="{3881C039-66A3-4640-815B-3B5A8B7D868D}" type="datetimeFigureOut">
               <a:rPr lang="en-US" smtClean="0"/>
-              <a:t>9/7/2021</a:t>
+              <a:t>9/8/2021</a:t>
             </a:fld>
             <a:endParaRPr lang="en-US"/>
           </a:p>
@@ -825,7 +825,7 @@
           <a:p>
             <a:fld id="{3881C039-66A3-4640-815B-3B5A8B7D868D}" type="datetimeFigureOut">
               <a:rPr lang="en-US" smtClean="0"/>
-              <a:t>9/7/2021</a:t>
+              <a:t>9/8/2021</a:t>
             </a:fld>
             <a:endParaRPr lang="en-US"/>
           </a:p>
@@ -1033,7 +1033,7 @@
           <a:p>
             <a:fld id="{3881C039-66A3-4640-815B-3B5A8B7D868D}" type="datetimeFigureOut">
               <a:rPr lang="en-US" smtClean="0"/>
-              <a:t>9/7/2021</a:t>
+              <a:t>9/8/2021</a:t>
             </a:fld>
             <a:endParaRPr lang="en-US"/>
           </a:p>
@@ -1231,7 +1231,7 @@
           <a:p>
             <a:fld id="{3881C039-66A3-4640-815B-3B5A8B7D868D}" type="datetimeFigureOut">
               <a:rPr lang="en-US" smtClean="0"/>
-              <a:t>9/7/2021</a:t>
+              <a:t>9/8/2021</a:t>
             </a:fld>
             <a:endParaRPr lang="en-US"/>
           </a:p>
@@ -1506,7 +1506,7 @@
           <a:p>
             <a:fld id="{3881C039-66A3-4640-815B-3B5A8B7D868D}" type="datetimeFigureOut">
               <a:rPr lang="en-US" smtClean="0"/>
-              <a:t>9/7/2021</a:t>
+              <a:t>9/8/2021</a:t>
             </a:fld>
             <a:endParaRPr lang="en-US"/>
           </a:p>
@@ -1771,7 +1771,7 @@
           <a:p>
             <a:fld id="{3881C039-66A3-4640-815B-3B5A8B7D868D}" type="datetimeFigureOut">
               <a:rPr lang="en-US" smtClean="0"/>
-              <a:t>9/7/2021</a:t>
+              <a:t>9/8/2021</a:t>
             </a:fld>
             <a:endParaRPr lang="en-US"/>
           </a:p>
@@ -2183,7 +2183,7 @@
           <a:p>
             <a:fld id="{3881C039-66A3-4640-815B-3B5A8B7D868D}" type="datetimeFigureOut">
               <a:rPr lang="en-US" smtClean="0"/>
-              <a:t>9/7/2021</a:t>
+              <a:t>9/8/2021</a:t>
             </a:fld>
             <a:endParaRPr lang="en-US"/>
           </a:p>
@@ -2324,7 +2324,7 @@
           <a:p>
             <a:fld id="{3881C039-66A3-4640-815B-3B5A8B7D868D}" type="datetimeFigureOut">
               <a:rPr lang="en-US" smtClean="0"/>
-              <a:t>9/7/2021</a:t>
+              <a:t>9/8/2021</a:t>
             </a:fld>
             <a:endParaRPr lang="en-US"/>
           </a:p>
@@ -2437,7 +2437,7 @@
           <a:p>
             <a:fld id="{3881C039-66A3-4640-815B-3B5A8B7D868D}" type="datetimeFigureOut">
               <a:rPr lang="en-US" smtClean="0"/>
-              <a:t>9/7/2021</a:t>
+              <a:t>9/8/2021</a:t>
             </a:fld>
             <a:endParaRPr lang="en-US"/>
           </a:p>
@@ -2748,7 +2748,7 @@
           <a:p>
             <a:fld id="{3881C039-66A3-4640-815B-3B5A8B7D868D}" type="datetimeFigureOut">
               <a:rPr lang="en-US" smtClean="0"/>
-              <a:t>9/7/2021</a:t>
+              <a:t>9/8/2021</a:t>
             </a:fld>
             <a:endParaRPr lang="en-US"/>
           </a:p>
@@ -3036,7 +3036,7 @@
           <a:p>
             <a:fld id="{3881C039-66A3-4640-815B-3B5A8B7D868D}" type="datetimeFigureOut">
               <a:rPr lang="en-US" smtClean="0"/>
-              <a:t>9/7/2021</a:t>
+              <a:t>9/8/2021</a:t>
             </a:fld>
             <a:endParaRPr lang="en-US"/>
           </a:p>
@@ -3280,7 +3280,7 @@
           <a:p>
             <a:fld id="{3881C039-66A3-4640-815B-3B5A8B7D868D}" type="datetimeFigureOut">
               <a:rPr lang="en-US" smtClean="0"/>
-              <a:t>9/7/2021</a:t>
+              <a:t>9/8/2021</a:t>
             </a:fld>
             <a:endParaRPr lang="en-US"/>
           </a:p>
@@ -4484,7 +4484,7 @@
         </p:blipFill>
         <p:spPr>
           <a:xfrm>
-            <a:off x="3007491" y="4370190"/>
+            <a:off x="3127872" y="2012264"/>
             <a:ext cx="2968128" cy="2350190"/>
           </a:xfrm>
           <a:prstGeom prst="rect">
@@ -4554,22 +4554,22 @@
       </p:pic>
       <p:sp>
         <p:nvSpPr>
-          <p:cNvPr id="7" name="Arrow: Bent 6">
-            <a:extLst>
-              <a:ext uri="{FF2B5EF4-FFF2-40B4-BE49-F238E27FC236}">
-                <a16:creationId xmlns:a16="http://schemas.microsoft.com/office/drawing/2014/main" id="{5F240EE3-7CF6-4ABA-99FB-951DDE869C03}"/>
-              </a:ext>
-            </a:extLst>
-          </p:cNvPr>
-          <p:cNvSpPr/>
+          <p:cNvPr id="20" name="TextBox 19">
+            <a:extLst>
+              <a:ext uri="{FF2B5EF4-FFF2-40B4-BE49-F238E27FC236}">
+                <a16:creationId xmlns:a16="http://schemas.microsoft.com/office/drawing/2014/main" id="{2FB23025-1981-4430-AD71-DD09DECC4818}"/>
+              </a:ext>
+            </a:extLst>
+          </p:cNvPr>
+          <p:cNvSpPr txBox="1"/>
           <p:nvPr/>
         </p:nvSpPr>
         <p:spPr>
-          <a:xfrm rot="5400000">
-            <a:off x="9009221" y="3350268"/>
-            <a:ext cx="997527" cy="914400"/>
-          </a:xfrm>
-          <a:prstGeom prst="bentArrow">
+          <a:xfrm>
+            <a:off x="6405965" y="4340243"/>
+            <a:ext cx="2349922" cy="584775"/>
+          </a:xfrm>
+          <a:prstGeom prst="rect">
             <a:avLst/>
           </a:prstGeom>
         </p:spPr>
@@ -4590,36 +4590,41 @@
           </a:fontRef>
         </p:style>
         <p:txBody>
-          <a:bodyPr rtlCol="0" anchor="ctr"/>
+          <a:bodyPr wrap="square" rtlCol="0">
+            <a:spAutoFit/>
+          </a:bodyPr>
           <a:lstStyle/>
           <a:p>
             <a:pPr algn="ctr"/>
-            <a:endParaRPr lang="en-US">
-              <a:solidFill>
-                <a:schemeClr val="tx1"/>
-              </a:solidFill>
-            </a:endParaRPr>
-          </a:p>
-        </p:txBody>
-      </p:sp>
-      <p:sp>
-        <p:nvSpPr>
-          <p:cNvPr id="19" name="Arrow: Bent 18">
-            <a:extLst>
-              <a:ext uri="{FF2B5EF4-FFF2-40B4-BE49-F238E27FC236}">
-                <a16:creationId xmlns:a16="http://schemas.microsoft.com/office/drawing/2014/main" id="{E4BCCEF3-3C20-4F0A-A84D-A3031C0E2EA4}"/>
-              </a:ext>
-            </a:extLst>
-          </p:cNvPr>
-          <p:cNvSpPr/>
+            <a:r>
+              <a:rPr lang="en-US" sz="3200" b="0" dirty="0">
+                <a:solidFill>
+                  <a:schemeClr val="bg1"/>
+                </a:solidFill>
+              </a:rPr>
+              <a:t>Pujols Alone</a:t>
+            </a:r>
+          </a:p>
+        </p:txBody>
+      </p:sp>
+      <p:sp>
+        <p:nvSpPr>
+          <p:cNvPr id="21" name="TextBox 20">
+            <a:extLst>
+              <a:ext uri="{FF2B5EF4-FFF2-40B4-BE49-F238E27FC236}">
+                <a16:creationId xmlns:a16="http://schemas.microsoft.com/office/drawing/2014/main" id="{A2DC2E4C-4981-4207-AAF1-EA0D2855EB73}"/>
+              </a:ext>
+            </a:extLst>
+          </p:cNvPr>
+          <p:cNvSpPr txBox="1"/>
           <p:nvPr/>
         </p:nvSpPr>
         <p:spPr>
-          <a:xfrm rot="16200000" flipH="1">
-            <a:off x="5174781" y="3299474"/>
-            <a:ext cx="997527" cy="914400"/>
-          </a:xfrm>
-          <a:prstGeom prst="bentArrow">
+          <a:xfrm>
+            <a:off x="3237239" y="4396665"/>
+            <a:ext cx="2749393" cy="584775"/>
+          </a:xfrm>
+          <a:prstGeom prst="rect">
             <a:avLst/>
           </a:prstGeom>
         </p:spPr>
@@ -4640,13 +4645,23 @@
           </a:fontRef>
         </p:style>
         <p:txBody>
-          <a:bodyPr rtlCol="0" anchor="ctr"/>
+          <a:bodyPr wrap="square" rtlCol="0">
+            <a:spAutoFit/>
+          </a:bodyPr>
           <a:lstStyle/>
           <a:p>
             <a:pPr algn="ctr"/>
-            <a:endParaRPr lang="en-US">
+            <a:r>
+              <a:rPr lang="en-US" sz="3200" dirty="0">
+                <a:solidFill>
+                  <a:schemeClr val="bg1"/>
+                </a:solidFill>
+              </a:rPr>
+              <a:t>Team Without</a:t>
+            </a:r>
+            <a:endParaRPr lang="en-US" sz="3200" b="0" dirty="0">
               <a:solidFill>
-                <a:schemeClr val="tx1"/>
+                <a:schemeClr val="bg1"/>
               </a:solidFill>
             </a:endParaRPr>
           </a:p>
@@ -4654,10 +4669,10 @@
       </p:sp>
       <p:sp>
         <p:nvSpPr>
-          <p:cNvPr id="20" name="TextBox 19">
-            <a:extLst>
-              <a:ext uri="{FF2B5EF4-FFF2-40B4-BE49-F238E27FC236}">
-                <a16:creationId xmlns:a16="http://schemas.microsoft.com/office/drawing/2014/main" id="{2FB23025-1981-4430-AD71-DD09DECC4818}"/>
+          <p:cNvPr id="22" name="TextBox 21">
+            <a:extLst>
+              <a:ext uri="{FF2B5EF4-FFF2-40B4-BE49-F238E27FC236}">
+                <a16:creationId xmlns:a16="http://schemas.microsoft.com/office/drawing/2014/main" id="{D40851A7-A00D-4D98-A47B-A41EA77ADB44}"/>
               </a:ext>
             </a:extLst>
           </p:cNvPr>
@@ -4666,8 +4681,8 @@
         </p:nvSpPr>
         <p:spPr>
           <a:xfrm>
-            <a:off x="6405965" y="4340243"/>
-            <a:ext cx="2349922" cy="584775"/>
+            <a:off x="9861949" y="2806410"/>
+            <a:ext cx="1629972" cy="1569660"/>
           </a:xfrm>
           <a:prstGeom prst="rect">
             <a:avLst/>
@@ -4697,22 +4712,38 @@
           <a:p>
             <a:pPr algn="ctr"/>
             <a:r>
+              <a:rPr lang="en-US" sz="3200" dirty="0" err="1">
+                <a:solidFill>
+                  <a:schemeClr val="bg1"/>
+                </a:solidFill>
+              </a:rPr>
+              <a:t>AverageTeam</a:t>
+            </a:r>
+            <a:endParaRPr lang="en-US" sz="3200" dirty="0">
+              <a:solidFill>
+                <a:schemeClr val="bg1"/>
+              </a:solidFill>
+            </a:endParaRPr>
+          </a:p>
+          <a:p>
+            <a:pPr algn="ctr"/>
+            <a:r>
               <a:rPr lang="en-US" sz="3200" b="0" dirty="0">
                 <a:solidFill>
                   <a:schemeClr val="bg1"/>
                 </a:solidFill>
               </a:rPr>
-              <a:t>Pujols Alone</a:t>
-            </a:r>
-          </a:p>
-        </p:txBody>
-      </p:sp>
-      <p:sp>
-        <p:nvSpPr>
-          <p:cNvPr id="21" name="TextBox 20">
-            <a:extLst>
-              <a:ext uri="{FF2B5EF4-FFF2-40B4-BE49-F238E27FC236}">
-                <a16:creationId xmlns:a16="http://schemas.microsoft.com/office/drawing/2014/main" id="{A2DC2E4C-4981-4207-AAF1-EA0D2855EB73}"/>
+              <a:t>With</a:t>
+            </a:r>
+          </a:p>
+        </p:txBody>
+      </p:sp>
+      <p:sp>
+        <p:nvSpPr>
+          <p:cNvPr id="18" name="TextBox 17">
+            <a:extLst>
+              <a:ext uri="{FF2B5EF4-FFF2-40B4-BE49-F238E27FC236}">
+                <a16:creationId xmlns:a16="http://schemas.microsoft.com/office/drawing/2014/main" id="{FDE7CF94-E8E9-47C1-BC8F-D0D5D7B28E04}"/>
               </a:ext>
             </a:extLst>
           </p:cNvPr>
@@ -4721,8 +4752,8 @@
         </p:nvSpPr>
         <p:spPr>
           <a:xfrm>
-            <a:off x="3011737" y="3321175"/>
-            <a:ext cx="1629972" cy="1077218"/>
+            <a:off x="3253420" y="5095243"/>
+            <a:ext cx="2749393" cy="584775"/>
           </a:xfrm>
           <a:prstGeom prst="rect">
             <a:avLst/>
@@ -4757,7 +4788,7 @@
                   <a:schemeClr val="bg1"/>
                 </a:solidFill>
               </a:rPr>
-              <a:t>Team Without</a:t>
+              <a:t>Sim: 706 Runs</a:t>
             </a:r>
             <a:endParaRPr lang="en-US" sz="3200" b="0" dirty="0">
               <a:solidFill>
@@ -4769,10 +4800,10 @@
       </p:sp>
       <p:sp>
         <p:nvSpPr>
-          <p:cNvPr id="22" name="TextBox 21">
-            <a:extLst>
-              <a:ext uri="{FF2B5EF4-FFF2-40B4-BE49-F238E27FC236}">
-                <a16:creationId xmlns:a16="http://schemas.microsoft.com/office/drawing/2014/main" id="{D40851A7-A00D-4D98-A47B-A41EA77ADB44}"/>
+          <p:cNvPr id="19" name="TextBox 18">
+            <a:extLst>
+              <a:ext uri="{FF2B5EF4-FFF2-40B4-BE49-F238E27FC236}">
+                <a16:creationId xmlns:a16="http://schemas.microsoft.com/office/drawing/2014/main" id="{AA8503C9-DADA-4F16-9ABE-927B5EF0185B}"/>
               </a:ext>
             </a:extLst>
           </p:cNvPr>
@@ -4781,8 +4812,8 @@
         </p:nvSpPr>
         <p:spPr>
           <a:xfrm>
-            <a:off x="10292119" y="3321175"/>
-            <a:ext cx="1629972" cy="1077218"/>
+            <a:off x="6419624" y="5643162"/>
+            <a:ext cx="2749393" cy="1077218"/>
           </a:xfrm>
           <a:prstGeom prst="rect">
             <a:avLst/>
@@ -4817,18 +4848,7 @@
                   <a:schemeClr val="bg1"/>
                 </a:solidFill>
               </a:rPr>
-              <a:t>Team</a:t>
-            </a:r>
-          </a:p>
-          <a:p>
-            <a:pPr algn="ctr"/>
-            <a:r>
-              <a:rPr lang="en-US" sz="3200" b="0">
-                <a:solidFill>
-                  <a:schemeClr val="bg1"/>
-                </a:solidFill>
-              </a:rPr>
-              <a:t>With</a:t>
+              <a:t>783 to 853 Runs</a:t>
             </a:r>
             <a:endParaRPr lang="en-US" sz="3200" b="0" dirty="0">
               <a:solidFill>

--- a/Slides/Baseball 4/Baseball_4_Lecture.pptx
+++ b/Slides/Baseball 4/Baseball_4_Lecture.pptx
@@ -18,10 +18,10 @@
     <p:sldId id="335" r:id="rId9"/>
     <p:sldId id="336" r:id="rId10"/>
     <p:sldId id="337" r:id="rId11"/>
-    <p:sldId id="338" r:id="rId12"/>
-    <p:sldId id="342" r:id="rId13"/>
-    <p:sldId id="343" r:id="rId14"/>
-    <p:sldId id="344" r:id="rId15"/>
+    <p:sldId id="346" r:id="rId12"/>
+    <p:sldId id="338" r:id="rId13"/>
+    <p:sldId id="342" r:id="rId14"/>
+    <p:sldId id="343" r:id="rId15"/>
     <p:sldId id="345" r:id="rId16"/>
     <p:sldId id="319" r:id="rId17"/>
     <p:sldId id="281" r:id="rId18"/>
@@ -213,7 +213,7 @@
           <a:p>
             <a:fld id="{C04E5E84-956F-4423-97B3-5936A6D8EEEE}" type="datetimeFigureOut">
               <a:rPr lang="en-US" smtClean="0"/>
-              <a:t>9/8/2021</a:t>
+              <a:t>1/28/2023</a:t>
             </a:fld>
             <a:endParaRPr lang="en-US"/>
           </a:p>
@@ -627,7 +627,7 @@
           <a:p>
             <a:fld id="{3881C039-66A3-4640-815B-3B5A8B7D868D}" type="datetimeFigureOut">
               <a:rPr lang="en-US" smtClean="0"/>
-              <a:t>9/8/2021</a:t>
+              <a:t>1/28/2023</a:t>
             </a:fld>
             <a:endParaRPr lang="en-US"/>
           </a:p>
@@ -825,7 +825,7 @@
           <a:p>
             <a:fld id="{3881C039-66A3-4640-815B-3B5A8B7D868D}" type="datetimeFigureOut">
               <a:rPr lang="en-US" smtClean="0"/>
-              <a:t>9/8/2021</a:t>
+              <a:t>1/28/2023</a:t>
             </a:fld>
             <a:endParaRPr lang="en-US"/>
           </a:p>
@@ -1033,7 +1033,7 @@
           <a:p>
             <a:fld id="{3881C039-66A3-4640-815B-3B5A8B7D868D}" type="datetimeFigureOut">
               <a:rPr lang="en-US" smtClean="0"/>
-              <a:t>9/8/2021</a:t>
+              <a:t>1/28/2023</a:t>
             </a:fld>
             <a:endParaRPr lang="en-US"/>
           </a:p>
@@ -1231,7 +1231,7 @@
           <a:p>
             <a:fld id="{3881C039-66A3-4640-815B-3B5A8B7D868D}" type="datetimeFigureOut">
               <a:rPr lang="en-US" smtClean="0"/>
-              <a:t>9/8/2021</a:t>
+              <a:t>1/28/2023</a:t>
             </a:fld>
             <a:endParaRPr lang="en-US"/>
           </a:p>
@@ -1506,7 +1506,7 @@
           <a:p>
             <a:fld id="{3881C039-66A3-4640-815B-3B5A8B7D868D}" type="datetimeFigureOut">
               <a:rPr lang="en-US" smtClean="0"/>
-              <a:t>9/8/2021</a:t>
+              <a:t>1/28/2023</a:t>
             </a:fld>
             <a:endParaRPr lang="en-US"/>
           </a:p>
@@ -1771,7 +1771,7 @@
           <a:p>
             <a:fld id="{3881C039-66A3-4640-815B-3B5A8B7D868D}" type="datetimeFigureOut">
               <a:rPr lang="en-US" smtClean="0"/>
-              <a:t>9/8/2021</a:t>
+              <a:t>1/28/2023</a:t>
             </a:fld>
             <a:endParaRPr lang="en-US"/>
           </a:p>
@@ -2183,7 +2183,7 @@
           <a:p>
             <a:fld id="{3881C039-66A3-4640-815B-3B5A8B7D868D}" type="datetimeFigureOut">
               <a:rPr lang="en-US" smtClean="0"/>
-              <a:t>9/8/2021</a:t>
+              <a:t>1/28/2023</a:t>
             </a:fld>
             <a:endParaRPr lang="en-US"/>
           </a:p>
@@ -2324,7 +2324,7 @@
           <a:p>
             <a:fld id="{3881C039-66A3-4640-815B-3B5A8B7D868D}" type="datetimeFigureOut">
               <a:rPr lang="en-US" smtClean="0"/>
-              <a:t>9/8/2021</a:t>
+              <a:t>1/28/2023</a:t>
             </a:fld>
             <a:endParaRPr lang="en-US"/>
           </a:p>
@@ -2437,7 +2437,7 @@
           <a:p>
             <a:fld id="{3881C039-66A3-4640-815B-3B5A8B7D868D}" type="datetimeFigureOut">
               <a:rPr lang="en-US" smtClean="0"/>
-              <a:t>9/8/2021</a:t>
+              <a:t>1/28/2023</a:t>
             </a:fld>
             <a:endParaRPr lang="en-US"/>
           </a:p>
@@ -2748,7 +2748,7 @@
           <a:p>
             <a:fld id="{3881C039-66A3-4640-815B-3B5A8B7D868D}" type="datetimeFigureOut">
               <a:rPr lang="en-US" smtClean="0"/>
-              <a:t>9/8/2021</a:t>
+              <a:t>1/28/2023</a:t>
             </a:fld>
             <a:endParaRPr lang="en-US"/>
           </a:p>
@@ -3036,7 +3036,7 @@
           <a:p>
             <a:fld id="{3881C039-66A3-4640-815B-3B5A8B7D868D}" type="datetimeFigureOut">
               <a:rPr lang="en-US" smtClean="0"/>
-              <a:t>9/8/2021</a:t>
+              <a:t>1/28/2023</a:t>
             </a:fld>
             <a:endParaRPr lang="en-US"/>
           </a:p>
@@ -3280,7 +3280,7 @@
           <a:p>
             <a:fld id="{3881C039-66A3-4640-815B-3B5A8B7D868D}" type="datetimeFigureOut">
               <a:rPr lang="en-US" smtClean="0"/>
-              <a:t>9/8/2021</a:t>
+              <a:t>1/28/2023</a:t>
             </a:fld>
             <a:endParaRPr lang="en-US"/>
           </a:p>
@@ -4037,7 +4037,7 @@
         </p:nvSpPr>
         <p:spPr>
           <a:xfrm>
-            <a:off x="0" y="-52157"/>
+            <a:off x="-3" y="0"/>
             <a:ext cx="12192000" cy="6910157"/>
           </a:xfrm>
           <a:prstGeom prst="rect">
@@ -4415,7 +4415,7 @@
                 </a:solidFill>
                 <a:latin typeface="Selawik Semibold" panose="020B0702040204020203" pitchFamily="34" charset="0"/>
               </a:rPr>
-              <a:t>Added Value of Albert Pujols Measured by Runs</a:t>
+              <a:t>Added Value of Mike Trout To LA Angels</a:t>
             </a:r>
             <a:endParaRPr lang="en-US" dirty="0">
               <a:solidFill>
@@ -4462,96 +4462,6 @@
           </a:p>
         </p:txBody>
       </p:sp>
-      <p:pic>
-        <p:nvPicPr>
-          <p:cNvPr id="3" name="Picture 2">
-            <a:extLst>
-              <a:ext uri="{FF2B5EF4-FFF2-40B4-BE49-F238E27FC236}">
-                <a16:creationId xmlns:a16="http://schemas.microsoft.com/office/drawing/2014/main" id="{B5CB5EBC-1403-4369-A978-07758612E715}"/>
-              </a:ext>
-            </a:extLst>
-          </p:cNvPr>
-          <p:cNvPicPr>
-            <a:picLocks noChangeAspect="1"/>
-          </p:cNvPicPr>
-          <p:nvPr/>
-        </p:nvPicPr>
-        <p:blipFill>
-          <a:blip r:embed="rId4"/>
-          <a:stretch>
-            <a:fillRect/>
-          </a:stretch>
-        </p:blipFill>
-        <p:spPr>
-          <a:xfrm>
-            <a:off x="3127872" y="2012264"/>
-            <a:ext cx="2968128" cy="2350190"/>
-          </a:xfrm>
-          <a:prstGeom prst="rect">
-            <a:avLst/>
-          </a:prstGeom>
-        </p:spPr>
-      </p:pic>
-      <p:pic>
-        <p:nvPicPr>
-          <p:cNvPr id="5" name="Picture 4">
-            <a:extLst>
-              <a:ext uri="{FF2B5EF4-FFF2-40B4-BE49-F238E27FC236}">
-                <a16:creationId xmlns:a16="http://schemas.microsoft.com/office/drawing/2014/main" id="{C014DE4E-5E9D-4312-846E-D12AC2ED35FF}"/>
-              </a:ext>
-            </a:extLst>
-          </p:cNvPr>
-          <p:cNvPicPr>
-            <a:picLocks noChangeAspect="1"/>
-          </p:cNvPicPr>
-          <p:nvPr/>
-        </p:nvPicPr>
-        <p:blipFill>
-          <a:blip r:embed="rId5"/>
-          <a:stretch>
-            <a:fillRect/>
-          </a:stretch>
-        </p:blipFill>
-        <p:spPr>
-          <a:xfrm>
-            <a:off x="6203336" y="1995933"/>
-            <a:ext cx="2740774" cy="2344310"/>
-          </a:xfrm>
-          <a:prstGeom prst="rect">
-            <a:avLst/>
-          </a:prstGeom>
-        </p:spPr>
-      </p:pic>
-      <p:pic>
-        <p:nvPicPr>
-          <p:cNvPr id="6" name="Picture 5">
-            <a:extLst>
-              <a:ext uri="{FF2B5EF4-FFF2-40B4-BE49-F238E27FC236}">
-                <a16:creationId xmlns:a16="http://schemas.microsoft.com/office/drawing/2014/main" id="{C1C532B6-1A0B-4DD1-B46D-09C43A70B3DC}"/>
-              </a:ext>
-            </a:extLst>
-          </p:cNvPr>
-          <p:cNvPicPr>
-            <a:picLocks noChangeAspect="1"/>
-          </p:cNvPicPr>
-          <p:nvPr/>
-        </p:nvPicPr>
-        <p:blipFill>
-          <a:blip r:embed="rId6"/>
-          <a:stretch>
-            <a:fillRect/>
-          </a:stretch>
-        </p:blipFill>
-        <p:spPr>
-          <a:xfrm>
-            <a:off x="9172698" y="4376070"/>
-            <a:ext cx="2749393" cy="2344310"/>
-          </a:xfrm>
-          <a:prstGeom prst="rect">
-            <a:avLst/>
-          </a:prstGeom>
-        </p:spPr>
-      </p:pic>
       <p:sp>
         <p:nvSpPr>
           <p:cNvPr id="20" name="TextBox 19">
@@ -4566,7 +4476,7 @@
         </p:nvSpPr>
         <p:spPr>
           <a:xfrm>
-            <a:off x="6405965" y="4340243"/>
+            <a:off x="3746078" y="5340420"/>
             <a:ext cx="2349922" cy="584775"/>
           </a:xfrm>
           <a:prstGeom prst="rect">
@@ -4602,7 +4512,7 @@
                   <a:schemeClr val="bg1"/>
                 </a:solidFill>
               </a:rPr>
-              <a:t>Pujols Alone</a:t>
+              <a:t>Trout Alone</a:t>
             </a:r>
           </a:p>
         </p:txBody>
@@ -4621,7 +4531,7 @@
         </p:nvSpPr>
         <p:spPr>
           <a:xfrm>
-            <a:off x="3237239" y="4396665"/>
+            <a:off x="8392478" y="5352234"/>
             <a:ext cx="2749393" cy="584775"/>
           </a:xfrm>
           <a:prstGeom prst="rect">
@@ -4657,7 +4567,7 @@
                   <a:schemeClr val="bg1"/>
                 </a:solidFill>
               </a:rPr>
-              <a:t>Team Without</a:t>
+              <a:t>Without Trout</a:t>
             </a:r>
             <a:endParaRPr lang="en-US" sz="3200" b="0" dirty="0">
               <a:solidFill>
@@ -4669,10 +4579,10 @@
       </p:sp>
       <p:sp>
         <p:nvSpPr>
-          <p:cNvPr id="22" name="TextBox 21">
-            <a:extLst>
-              <a:ext uri="{FF2B5EF4-FFF2-40B4-BE49-F238E27FC236}">
-                <a16:creationId xmlns:a16="http://schemas.microsoft.com/office/drawing/2014/main" id="{D40851A7-A00D-4D98-A47B-A41EA77ADB44}"/>
+          <p:cNvPr id="18" name="TextBox 17">
+            <a:extLst>
+              <a:ext uri="{FF2B5EF4-FFF2-40B4-BE49-F238E27FC236}">
+                <a16:creationId xmlns:a16="http://schemas.microsoft.com/office/drawing/2014/main" id="{FDE7CF94-E8E9-47C1-BC8F-D0D5D7B28E04}"/>
               </a:ext>
             </a:extLst>
           </p:cNvPr>
@@ -4681,8 +4591,8 @@
         </p:nvSpPr>
         <p:spPr>
           <a:xfrm>
-            <a:off x="9861949" y="2806410"/>
-            <a:ext cx="1629972" cy="1569660"/>
+            <a:off x="8392477" y="6061016"/>
+            <a:ext cx="2749393" cy="584775"/>
           </a:xfrm>
           <a:prstGeom prst="rect">
             <a:avLst/>
@@ -4712,38 +4622,27 @@
           <a:p>
             <a:pPr algn="ctr"/>
             <a:r>
-              <a:rPr lang="en-US" sz="3200" dirty="0" err="1">
+              <a:rPr lang="en-US" sz="3200" dirty="0">
                 <a:solidFill>
                   <a:schemeClr val="bg1"/>
                 </a:solidFill>
               </a:rPr>
-              <a:t>AverageTeam</a:t>
-            </a:r>
-            <a:endParaRPr lang="en-US" sz="3200" dirty="0">
+              <a:t>Sim: 626 Runs</a:t>
+            </a:r>
+            <a:endParaRPr lang="en-US" sz="3200" b="0" dirty="0">
               <a:solidFill>
                 <a:schemeClr val="bg1"/>
               </a:solidFill>
             </a:endParaRPr>
           </a:p>
-          <a:p>
-            <a:pPr algn="ctr"/>
-            <a:r>
-              <a:rPr lang="en-US" sz="3200" b="0" dirty="0">
-                <a:solidFill>
-                  <a:schemeClr val="bg1"/>
-                </a:solidFill>
-              </a:rPr>
-              <a:t>With</a:t>
-            </a:r>
-          </a:p>
-        </p:txBody>
-      </p:sp>
-      <p:sp>
-        <p:nvSpPr>
-          <p:cNvPr id="18" name="TextBox 17">
-            <a:extLst>
-              <a:ext uri="{FF2B5EF4-FFF2-40B4-BE49-F238E27FC236}">
-                <a16:creationId xmlns:a16="http://schemas.microsoft.com/office/drawing/2014/main" id="{FDE7CF94-E8E9-47C1-BC8F-D0D5D7B28E04}"/>
+        </p:txBody>
+      </p:sp>
+      <p:sp>
+        <p:nvSpPr>
+          <p:cNvPr id="19" name="TextBox 18">
+            <a:extLst>
+              <a:ext uri="{FF2B5EF4-FFF2-40B4-BE49-F238E27FC236}">
+                <a16:creationId xmlns:a16="http://schemas.microsoft.com/office/drawing/2014/main" id="{AA8503C9-DADA-4F16-9ABE-927B5EF0185B}"/>
               </a:ext>
             </a:extLst>
           </p:cNvPr>
@@ -4752,8 +4651,8 @@
         </p:nvSpPr>
         <p:spPr>
           <a:xfrm>
-            <a:off x="3253420" y="5095243"/>
-            <a:ext cx="2749393" cy="584775"/>
+            <a:off x="3007491" y="6048627"/>
+            <a:ext cx="4945511" cy="584775"/>
           </a:xfrm>
           <a:prstGeom prst="rect">
             <a:avLst/>
@@ -4788,7 +4687,7 @@
                   <a:schemeClr val="bg1"/>
                 </a:solidFill>
               </a:rPr>
-              <a:t>Sim: 706 Runs</a:t>
+              <a:t>2016 Angels: 717 Runs</a:t>
             </a:r>
             <a:endParaRPr lang="en-US" sz="3200" b="0" dirty="0">
               <a:solidFill>
@@ -4798,12 +4697,463 @@
           </a:p>
         </p:txBody>
       </p:sp>
-      <p:sp>
-        <p:nvSpPr>
-          <p:cNvPr id="19" name="TextBox 18">
-            <a:extLst>
-              <a:ext uri="{FF2B5EF4-FFF2-40B4-BE49-F238E27FC236}">
-                <a16:creationId xmlns:a16="http://schemas.microsoft.com/office/drawing/2014/main" id="{AA8503C9-DADA-4F16-9ABE-927B5EF0185B}"/>
+      <p:pic>
+        <p:nvPicPr>
+          <p:cNvPr id="4" name="Picture 3">
+            <a:extLst>
+              <a:ext uri="{FF2B5EF4-FFF2-40B4-BE49-F238E27FC236}">
+                <a16:creationId xmlns:a16="http://schemas.microsoft.com/office/drawing/2014/main" id="{48B4A52D-A1C0-083E-D9E8-97EC6312FC02}"/>
+              </a:ext>
+            </a:extLst>
+          </p:cNvPr>
+          <p:cNvPicPr>
+            <a:picLocks noChangeAspect="1"/>
+          </p:cNvPicPr>
+          <p:nvPr/>
+        </p:nvPicPr>
+        <p:blipFill>
+          <a:blip r:embed="rId4"/>
+          <a:stretch>
+            <a:fillRect/>
+          </a:stretch>
+        </p:blipFill>
+        <p:spPr>
+          <a:xfrm>
+            <a:off x="8278808" y="2003430"/>
+            <a:ext cx="2976735" cy="3224797"/>
+          </a:xfrm>
+          <a:prstGeom prst="rect">
+            <a:avLst/>
+          </a:prstGeom>
+        </p:spPr>
+      </p:pic>
+      <p:pic>
+        <p:nvPicPr>
+          <p:cNvPr id="9" name="Picture 8">
+            <a:extLst>
+              <a:ext uri="{FF2B5EF4-FFF2-40B4-BE49-F238E27FC236}">
+                <a16:creationId xmlns:a16="http://schemas.microsoft.com/office/drawing/2014/main" id="{EEC4116A-C0C2-E01E-10C4-65065A82608A}"/>
+              </a:ext>
+            </a:extLst>
+          </p:cNvPr>
+          <p:cNvPicPr>
+            <a:picLocks noChangeAspect="1"/>
+          </p:cNvPicPr>
+          <p:nvPr/>
+        </p:nvPicPr>
+        <p:blipFill>
+          <a:blip r:embed="rId5"/>
+          <a:stretch>
+            <a:fillRect/>
+          </a:stretch>
+        </p:blipFill>
+        <p:spPr>
+          <a:xfrm>
+            <a:off x="3493828" y="2022152"/>
+            <a:ext cx="2955384" cy="3224797"/>
+          </a:xfrm>
+          <a:prstGeom prst="rect">
+            <a:avLst/>
+          </a:prstGeom>
+        </p:spPr>
+      </p:pic>
+    </p:spTree>
+    <p:extLst>
+      <p:ext uri="{BB962C8B-B14F-4D97-AF65-F5344CB8AC3E}">
+        <p14:creationId xmlns:p14="http://schemas.microsoft.com/office/powerpoint/2010/main" val="1315830825"/>
+      </p:ext>
+    </p:extLst>
+  </p:cSld>
+  <p:clrMapOvr>
+    <a:masterClrMapping/>
+  </p:clrMapOvr>
+</p:sld>
+</file>
+
+<file path=ppt/slides/slide11.xml><?xml version="1.0" encoding="utf-8"?>
+<p:sld xmlns:a="http://schemas.openxmlformats.org/drawingml/2006/main" xmlns:r="http://schemas.openxmlformats.org/officeDocument/2006/relationships" xmlns:p="http://schemas.openxmlformats.org/presentationml/2006/main">
+  <p:cSld>
+    <p:bg>
+      <p:bgPr>
+        <a:solidFill>
+          <a:schemeClr val="bg1"/>
+        </a:solidFill>
+        <a:effectLst/>
+      </p:bgPr>
+    </p:bg>
+    <p:spTree>
+      <p:nvGrpSpPr>
+        <p:cNvPr id="1" name=""/>
+        <p:cNvGrpSpPr/>
+        <p:nvPr/>
+      </p:nvGrpSpPr>
+      <p:grpSpPr>
+        <a:xfrm>
+          <a:off x="0" y="0"/>
+          <a:ext cx="0" cy="0"/>
+          <a:chOff x="0" y="0"/>
+          <a:chExt cx="0" cy="0"/>
+        </a:xfrm>
+      </p:grpSpPr>
+      <p:sp>
+        <p:nvSpPr>
+          <p:cNvPr id="17" name="Rectangle 16">
+            <a:extLst>
+              <a:ext uri="{FF2B5EF4-FFF2-40B4-BE49-F238E27FC236}">
+                <a16:creationId xmlns:a16="http://schemas.microsoft.com/office/drawing/2014/main" id="{0A8FE870-A334-4DE1-84A7-AB191ED10D63}"/>
+              </a:ext>
+            </a:extLst>
+          </p:cNvPr>
+          <p:cNvSpPr/>
+          <p:nvPr/>
+        </p:nvSpPr>
+        <p:spPr>
+          <a:xfrm>
+            <a:off x="-3" y="0"/>
+            <a:ext cx="12192000" cy="6910157"/>
+          </a:xfrm>
+          <a:prstGeom prst="rect">
+            <a:avLst/>
+          </a:prstGeom>
+          <a:solidFill>
+            <a:srgbClr val="395583"/>
+          </a:solidFill>
+        </p:spPr>
+        <p:style>
+          <a:lnRef idx="2">
+            <a:schemeClr val="accent1">
+              <a:shade val="50000"/>
+            </a:schemeClr>
+          </a:lnRef>
+          <a:fillRef idx="1">
+            <a:schemeClr val="accent1"/>
+          </a:fillRef>
+          <a:effectRef idx="0">
+            <a:schemeClr val="accent1"/>
+          </a:effectRef>
+          <a:fontRef idx="minor">
+            <a:schemeClr val="lt1"/>
+          </a:fontRef>
+        </p:style>
+        <p:txBody>
+          <a:bodyPr rtlCol="0" anchor="ctr"/>
+          <a:lstStyle/>
+          <a:p>
+            <a:pPr algn="ctr"/>
+            <a:endParaRPr lang="en-US"/>
+          </a:p>
+        </p:txBody>
+      </p:sp>
+      <p:pic>
+        <p:nvPicPr>
+          <p:cNvPr id="8" name="Picture 7" descr="A close up of a toy&#10;&#10;Description automatically generated">
+            <a:extLst>
+              <a:ext uri="{FF2B5EF4-FFF2-40B4-BE49-F238E27FC236}">
+                <a16:creationId xmlns:a16="http://schemas.microsoft.com/office/drawing/2014/main" id="{131D5527-B848-4F84-9601-62DB93565332}"/>
+              </a:ext>
+            </a:extLst>
+          </p:cNvPr>
+          <p:cNvPicPr>
+            <a:picLocks noChangeAspect="1"/>
+          </p:cNvPicPr>
+          <p:nvPr/>
+        </p:nvPicPr>
+        <p:blipFill rotWithShape="1">
+          <a:blip r:embed="rId2">
+            <a:extLst>
+              <a:ext uri="{28A0092B-C50C-407E-A947-70E740481C1C}">
+                <a14:useLocalDpi xmlns:a14="http://schemas.microsoft.com/office/drawing/2010/main" val="0"/>
+              </a:ext>
+            </a:extLst>
+          </a:blip>
+          <a:srcRect l="6238" r="10796"/>
+          <a:stretch/>
+        </p:blipFill>
+        <p:spPr>
+          <a:xfrm>
+            <a:off x="0" y="-52157"/>
+            <a:ext cx="2684015" cy="3969421"/>
+          </a:xfrm>
+          <a:prstGeom prst="rect">
+            <a:avLst/>
+          </a:prstGeom>
+        </p:spPr>
+      </p:pic>
+      <p:sp>
+        <p:nvSpPr>
+          <p:cNvPr id="33" name="Rectangle 32">
+            <a:extLst>
+              <a:ext uri="{FF2B5EF4-FFF2-40B4-BE49-F238E27FC236}">
+                <a16:creationId xmlns:a16="http://schemas.microsoft.com/office/drawing/2014/main" id="{6F93929A-DE1C-47C4-AF97-F99DB104E96F}"/>
+              </a:ext>
+            </a:extLst>
+          </p:cNvPr>
+          <p:cNvSpPr/>
+          <p:nvPr/>
+        </p:nvSpPr>
+        <p:spPr>
+          <a:xfrm rot="16200000">
+            <a:off x="782431" y="1849427"/>
+            <a:ext cx="3969421" cy="166254"/>
+          </a:xfrm>
+          <a:prstGeom prst="rect">
+            <a:avLst/>
+          </a:prstGeom>
+          <a:solidFill>
+            <a:schemeClr val="tx1"/>
+          </a:solidFill>
+          <a:ln>
+            <a:noFill/>
+          </a:ln>
+        </p:spPr>
+        <p:style>
+          <a:lnRef idx="2">
+            <a:schemeClr val="accent1">
+              <a:shade val="50000"/>
+            </a:schemeClr>
+          </a:lnRef>
+          <a:fillRef idx="1">
+            <a:schemeClr val="accent1"/>
+          </a:fillRef>
+          <a:effectRef idx="0">
+            <a:schemeClr val="accent1"/>
+          </a:effectRef>
+          <a:fontRef idx="minor">
+            <a:schemeClr val="lt1"/>
+          </a:fontRef>
+        </p:style>
+        <p:txBody>
+          <a:bodyPr rtlCol="0" anchor="ctr"/>
+          <a:lstStyle/>
+          <a:p>
+            <a:pPr algn="ctr"/>
+            <a:endParaRPr lang="en-US" dirty="0">
+              <a:solidFill>
+                <a:srgbClr val="DB5B5C"/>
+              </a:solidFill>
+            </a:endParaRPr>
+          </a:p>
+        </p:txBody>
+      </p:sp>
+      <p:sp>
+        <p:nvSpPr>
+          <p:cNvPr id="35" name="Rectangle 34">
+            <a:extLst>
+              <a:ext uri="{FF2B5EF4-FFF2-40B4-BE49-F238E27FC236}">
+                <a16:creationId xmlns:a16="http://schemas.microsoft.com/office/drawing/2014/main" id="{259A39E4-556F-4581-82A2-C6B68A8147A4}"/>
+              </a:ext>
+            </a:extLst>
+          </p:cNvPr>
+          <p:cNvSpPr/>
+          <p:nvPr/>
+        </p:nvSpPr>
+        <p:spPr>
+          <a:xfrm rot="10800000">
+            <a:off x="-2" y="3756674"/>
+            <a:ext cx="2850269" cy="3101326"/>
+          </a:xfrm>
+          <a:prstGeom prst="rect">
+            <a:avLst/>
+          </a:prstGeom>
+          <a:solidFill>
+            <a:schemeClr val="tx1"/>
+          </a:solidFill>
+          <a:ln>
+            <a:noFill/>
+          </a:ln>
+        </p:spPr>
+        <p:style>
+          <a:lnRef idx="2">
+            <a:schemeClr val="accent1">
+              <a:shade val="50000"/>
+            </a:schemeClr>
+          </a:lnRef>
+          <a:fillRef idx="1">
+            <a:schemeClr val="accent1"/>
+          </a:fillRef>
+          <a:effectRef idx="0">
+            <a:schemeClr val="accent1"/>
+          </a:effectRef>
+          <a:fontRef idx="minor">
+            <a:schemeClr val="lt1"/>
+          </a:fontRef>
+        </p:style>
+        <p:txBody>
+          <a:bodyPr rtlCol="0" anchor="ctr"/>
+          <a:lstStyle/>
+          <a:p>
+            <a:pPr algn="ctr"/>
+            <a:endParaRPr lang="en-US" dirty="0">
+              <a:solidFill>
+                <a:srgbClr val="DB5B5C"/>
+              </a:solidFill>
+            </a:endParaRPr>
+          </a:p>
+        </p:txBody>
+      </p:sp>
+      <p:sp>
+        <p:nvSpPr>
+          <p:cNvPr id="23" name="Subtitle 22">
+            <a:extLst>
+              <a:ext uri="{FF2B5EF4-FFF2-40B4-BE49-F238E27FC236}">
+                <a16:creationId xmlns:a16="http://schemas.microsoft.com/office/drawing/2014/main" id="{1E5D6413-9C6F-483D-BE52-F3BBB1E74630}"/>
+              </a:ext>
+            </a:extLst>
+          </p:cNvPr>
+          <p:cNvSpPr>
+            <a:spLocks noGrp="1"/>
+          </p:cNvSpPr>
+          <p:nvPr>
+            <p:ph type="subTitle" idx="1"/>
+          </p:nvPr>
+        </p:nvSpPr>
+        <p:spPr>
+          <a:xfrm>
+            <a:off x="3007491" y="137620"/>
+            <a:ext cx="9341732" cy="1684867"/>
+          </a:xfrm>
+        </p:spPr>
+        <p:txBody>
+          <a:bodyPr>
+            <a:normAutofit/>
+          </a:bodyPr>
+          <a:lstStyle/>
+          <a:p>
+            <a:pPr algn="l"/>
+            <a:r>
+              <a:rPr lang="en-US" sz="4400" dirty="0">
+                <a:solidFill>
+                  <a:schemeClr val="bg1"/>
+                </a:solidFill>
+                <a:latin typeface="Selawik Semibold" panose="020B0702040204020203" pitchFamily="34" charset="0"/>
+              </a:rPr>
+              <a:t>Monte Carlo Simulation</a:t>
+            </a:r>
+          </a:p>
+        </p:txBody>
+      </p:sp>
+      <p:pic>
+        <p:nvPicPr>
+          <p:cNvPr id="16" name="Picture 15" descr="A close up of a toy&#10;&#10;Description automatically generated">
+            <a:extLst>
+              <a:ext uri="{FF2B5EF4-FFF2-40B4-BE49-F238E27FC236}">
+                <a16:creationId xmlns:a16="http://schemas.microsoft.com/office/drawing/2014/main" id="{94C75949-F15C-4E05-810D-EF40FCE89107}"/>
+              </a:ext>
+            </a:extLst>
+          </p:cNvPr>
+          <p:cNvPicPr>
+            <a:picLocks noChangeAspect="1"/>
+          </p:cNvPicPr>
+          <p:nvPr/>
+        </p:nvPicPr>
+        <p:blipFill>
+          <a:blip r:embed="rId3">
+            <a:extLst>
+              <a:ext uri="{28A0092B-C50C-407E-A947-70E740481C1C}">
+                <a14:useLocalDpi xmlns:a14="http://schemas.microsoft.com/office/drawing/2010/main" val="0"/>
+              </a:ext>
+            </a:extLst>
+          </a:blip>
+          <a:stretch>
+            <a:fillRect/>
+          </a:stretch>
+        </p:blipFill>
+        <p:spPr>
+          <a:xfrm>
+            <a:off x="417789" y="4380288"/>
+            <a:ext cx="2014687" cy="2014687"/>
+          </a:xfrm>
+          <a:prstGeom prst="ellipse">
+            <a:avLst/>
+          </a:prstGeom>
+          <a:ln w="63500" cap="rnd">
+            <a:solidFill>
+              <a:srgbClr val="333333"/>
+            </a:solidFill>
+          </a:ln>
+          <a:effectLst>
+            <a:outerShdw blurRad="381000" dist="292100" dir="5400000" sx="-80000" sy="-18000" rotWithShape="0">
+              <a:srgbClr val="000000">
+                <a:alpha val="22000"/>
+              </a:srgbClr>
+            </a:outerShdw>
+          </a:effectLst>
+          <a:scene3d>
+            <a:camera prst="orthographicFront"/>
+            <a:lightRig rig="contrasting" dir="t">
+              <a:rot lat="0" lon="0" rev="3000000"/>
+            </a:lightRig>
+          </a:scene3d>
+          <a:sp3d contourW="7620">
+            <a:bevelT w="95250" h="31750"/>
+            <a:contourClr>
+              <a:srgbClr val="333333"/>
+            </a:contourClr>
+          </a:sp3d>
+        </p:spPr>
+      </p:pic>
+      <p:sp>
+        <p:nvSpPr>
+          <p:cNvPr id="38" name="Rectangle 37">
+            <a:extLst>
+              <a:ext uri="{FF2B5EF4-FFF2-40B4-BE49-F238E27FC236}">
+                <a16:creationId xmlns:a16="http://schemas.microsoft.com/office/drawing/2014/main" id="{28B1909D-4141-4FB1-8633-83F335349C97}"/>
+              </a:ext>
+            </a:extLst>
+          </p:cNvPr>
+          <p:cNvSpPr/>
+          <p:nvPr/>
+        </p:nvSpPr>
+        <p:spPr>
+          <a:xfrm rot="10800000">
+            <a:off x="3007493" y="844062"/>
+            <a:ext cx="9027282" cy="137067"/>
+          </a:xfrm>
+          <a:prstGeom prst="rect">
+            <a:avLst/>
+          </a:prstGeom>
+          <a:solidFill>
+            <a:schemeClr val="tx1"/>
+          </a:solidFill>
+          <a:ln>
+            <a:noFill/>
+          </a:ln>
+        </p:spPr>
+        <p:style>
+          <a:lnRef idx="2">
+            <a:schemeClr val="accent1">
+              <a:shade val="50000"/>
+            </a:schemeClr>
+          </a:lnRef>
+          <a:fillRef idx="1">
+            <a:schemeClr val="accent1"/>
+          </a:fillRef>
+          <a:effectRef idx="0">
+            <a:schemeClr val="accent1"/>
+          </a:effectRef>
+          <a:fontRef idx="minor">
+            <a:schemeClr val="lt1"/>
+          </a:fontRef>
+        </p:style>
+        <p:txBody>
+          <a:bodyPr rtlCol="0" anchor="ctr"/>
+          <a:lstStyle/>
+          <a:p>
+            <a:pPr algn="ctr"/>
+            <a:endParaRPr lang="en-US" dirty="0">
+              <a:solidFill>
+                <a:srgbClr val="DB5B5C"/>
+              </a:solidFill>
+            </a:endParaRPr>
+          </a:p>
+        </p:txBody>
+      </p:sp>
+      <p:sp>
+        <p:nvSpPr>
+          <p:cNvPr id="10" name="TextBox 9">
+            <a:extLst>
+              <a:ext uri="{FF2B5EF4-FFF2-40B4-BE49-F238E27FC236}">
+                <a16:creationId xmlns:a16="http://schemas.microsoft.com/office/drawing/2014/main" id="{8A07C2CC-416F-4D29-84CF-D1F8B766EE5F}"/>
               </a:ext>
             </a:extLst>
           </p:cNvPr>
@@ -4812,8 +5162,94 @@
         </p:nvSpPr>
         <p:spPr>
           <a:xfrm>
-            <a:off x="6419624" y="5643162"/>
-            <a:ext cx="2749393" cy="1077218"/>
+            <a:off x="3080082" y="1520792"/>
+            <a:ext cx="8522109" cy="1354217"/>
+          </a:xfrm>
+          <a:prstGeom prst="rect">
+            <a:avLst/>
+          </a:prstGeom>
+          <a:noFill/>
+        </p:spPr>
+        <p:txBody>
+          <a:bodyPr wrap="square" rtlCol="0">
+            <a:spAutoFit/>
+          </a:bodyPr>
+          <a:lstStyle/>
+          <a:p>
+            <a:pPr marL="342900" indent="-342900">
+              <a:buFont typeface="Arial" panose="020B0604020202020204" pitchFamily="34" charset="0"/>
+              <a:buChar char="•"/>
+            </a:pPr>
+            <a:r>
+              <a:rPr lang="en-US" sz="2400" dirty="0">
+                <a:solidFill>
+                  <a:schemeClr val="bg1"/>
+                </a:solidFill>
+                <a:latin typeface="Selawik Semibold" panose="020B0702040204020203" pitchFamily="34" charset="0"/>
+              </a:rPr>
+              <a:t>Added Value of Mike Trout To Average Team</a:t>
+            </a:r>
+            <a:endParaRPr lang="en-US" dirty="0">
+              <a:solidFill>
+                <a:schemeClr val="bg1"/>
+              </a:solidFill>
+              <a:latin typeface="Selawik Semibold" panose="020B0702040204020203" pitchFamily="34" charset="0"/>
+            </a:endParaRPr>
+          </a:p>
+          <a:p>
+            <a:pPr marL="1257300" lvl="2" indent="-342900">
+              <a:buFont typeface="Arial" panose="020B0604020202020204" pitchFamily="34" charset="0"/>
+              <a:buChar char="•"/>
+            </a:pPr>
+            <a:endParaRPr lang="en-US" sz="2000" dirty="0">
+              <a:solidFill>
+                <a:schemeClr val="bg1"/>
+              </a:solidFill>
+              <a:latin typeface="Selawik Semibold" panose="020B0702040204020203" pitchFamily="34" charset="0"/>
+            </a:endParaRPr>
+          </a:p>
+          <a:p>
+            <a:pPr marL="1257300" lvl="2" indent="-342900">
+              <a:buFont typeface="Arial" panose="020B0604020202020204" pitchFamily="34" charset="0"/>
+              <a:buChar char="•"/>
+            </a:pPr>
+            <a:endParaRPr lang="en-US" dirty="0">
+              <a:solidFill>
+                <a:schemeClr val="bg1"/>
+              </a:solidFill>
+              <a:latin typeface="Selawik Semibold" panose="020B0702040204020203" pitchFamily="34" charset="0"/>
+            </a:endParaRPr>
+          </a:p>
+          <a:p>
+            <a:pPr marL="800100" lvl="1" indent="-342900">
+              <a:buFont typeface="Arial" panose="020B0604020202020204" pitchFamily="34" charset="0"/>
+              <a:buChar char="•"/>
+            </a:pPr>
+            <a:endParaRPr lang="en-US" sz="2000" dirty="0">
+              <a:solidFill>
+                <a:schemeClr val="bg1"/>
+              </a:solidFill>
+              <a:latin typeface="Selawik Semibold" panose="020B0702040204020203" pitchFamily="34" charset="0"/>
+            </a:endParaRPr>
+          </a:p>
+        </p:txBody>
+      </p:sp>
+      <p:sp>
+        <p:nvSpPr>
+          <p:cNvPr id="20" name="TextBox 19">
+            <a:extLst>
+              <a:ext uri="{FF2B5EF4-FFF2-40B4-BE49-F238E27FC236}">
+                <a16:creationId xmlns:a16="http://schemas.microsoft.com/office/drawing/2014/main" id="{2FB23025-1981-4430-AD71-DD09DECC4818}"/>
+              </a:ext>
+            </a:extLst>
+          </p:cNvPr>
+          <p:cNvSpPr txBox="1"/>
+          <p:nvPr/>
+        </p:nvSpPr>
+        <p:spPr>
+          <a:xfrm>
+            <a:off x="3619953" y="5337208"/>
+            <a:ext cx="2703134" cy="584775"/>
           </a:xfrm>
           <a:prstGeom prst="rect">
             <a:avLst/>
@@ -4843,12 +5279,67 @@
           <a:p>
             <a:pPr algn="ctr"/>
             <a:r>
+              <a:rPr lang="en-US" sz="3200" b="0" dirty="0">
+                <a:solidFill>
+                  <a:schemeClr val="bg1"/>
+                </a:solidFill>
+              </a:rPr>
+              <a:t>Average Team</a:t>
+            </a:r>
+          </a:p>
+        </p:txBody>
+      </p:sp>
+      <p:sp>
+        <p:nvSpPr>
+          <p:cNvPr id="21" name="TextBox 20">
+            <a:extLst>
+              <a:ext uri="{FF2B5EF4-FFF2-40B4-BE49-F238E27FC236}">
+                <a16:creationId xmlns:a16="http://schemas.microsoft.com/office/drawing/2014/main" id="{A2DC2E4C-4981-4207-AAF1-EA0D2855EB73}"/>
+              </a:ext>
+            </a:extLst>
+          </p:cNvPr>
+          <p:cNvSpPr txBox="1"/>
+          <p:nvPr/>
+        </p:nvSpPr>
+        <p:spPr>
+          <a:xfrm>
+            <a:off x="8392478" y="5352234"/>
+            <a:ext cx="2749393" cy="584775"/>
+          </a:xfrm>
+          <a:prstGeom prst="rect">
+            <a:avLst/>
+          </a:prstGeom>
+        </p:spPr>
+        <p:style>
+          <a:lnRef idx="2">
+            <a:schemeClr val="dk1">
+              <a:shade val="50000"/>
+            </a:schemeClr>
+          </a:lnRef>
+          <a:fillRef idx="1">
+            <a:schemeClr val="dk1"/>
+          </a:fillRef>
+          <a:effectRef idx="0">
+            <a:schemeClr val="dk1"/>
+          </a:effectRef>
+          <a:fontRef idx="minor">
+            <a:schemeClr val="lt1"/>
+          </a:fontRef>
+        </p:style>
+        <p:txBody>
+          <a:bodyPr wrap="square" rtlCol="0">
+            <a:spAutoFit/>
+          </a:bodyPr>
+          <a:lstStyle/>
+          <a:p>
+            <a:pPr algn="ctr"/>
+            <a:r>
               <a:rPr lang="en-US" sz="3200" dirty="0">
                 <a:solidFill>
                   <a:schemeClr val="bg1"/>
                 </a:solidFill>
               </a:rPr>
-              <a:t>783 to 853 Runs</a:t>
+              <a:t>Trout</a:t>
             </a:r>
             <a:endParaRPr lang="en-US" sz="3200" b="0" dirty="0">
               <a:solidFill>
@@ -4858,10 +5349,138 @@
           </a:p>
         </p:txBody>
       </p:sp>
+      <p:sp>
+        <p:nvSpPr>
+          <p:cNvPr id="18" name="TextBox 17">
+            <a:extLst>
+              <a:ext uri="{FF2B5EF4-FFF2-40B4-BE49-F238E27FC236}">
+                <a16:creationId xmlns:a16="http://schemas.microsoft.com/office/drawing/2014/main" id="{FDE7CF94-E8E9-47C1-BC8F-D0D5D7B28E04}"/>
+              </a:ext>
+            </a:extLst>
+          </p:cNvPr>
+          <p:cNvSpPr txBox="1"/>
+          <p:nvPr/>
+        </p:nvSpPr>
+        <p:spPr>
+          <a:xfrm>
+            <a:off x="3190095" y="6078093"/>
+            <a:ext cx="8302081" cy="584775"/>
+          </a:xfrm>
+          <a:prstGeom prst="rect">
+            <a:avLst/>
+          </a:prstGeom>
+        </p:spPr>
+        <p:style>
+          <a:lnRef idx="2">
+            <a:schemeClr val="dk1">
+              <a:shade val="50000"/>
+            </a:schemeClr>
+          </a:lnRef>
+          <a:fillRef idx="1">
+            <a:schemeClr val="dk1"/>
+          </a:fillRef>
+          <a:effectRef idx="0">
+            <a:schemeClr val="dk1"/>
+          </a:effectRef>
+          <a:fontRef idx="minor">
+            <a:schemeClr val="lt1"/>
+          </a:fontRef>
+        </p:style>
+        <p:txBody>
+          <a:bodyPr wrap="square" rtlCol="0">
+            <a:spAutoFit/>
+          </a:bodyPr>
+          <a:lstStyle/>
+          <a:p>
+            <a:pPr algn="ctr"/>
+            <a:r>
+              <a:rPr lang="en-US" sz="3200" b="0" dirty="0">
+                <a:solidFill>
+                  <a:schemeClr val="bg1"/>
+                </a:solidFill>
+              </a:rPr>
+              <a:t>How Would We Simulate A</a:t>
+            </a:r>
+            <a:r>
+              <a:rPr lang="en-US" sz="3200" dirty="0">
+                <a:solidFill>
+                  <a:schemeClr val="bg1"/>
+                </a:solidFill>
+              </a:rPr>
+              <a:t>verage Team + Trout?</a:t>
+            </a:r>
+            <a:endParaRPr lang="en-US" sz="3200" b="0" dirty="0">
+              <a:solidFill>
+                <a:schemeClr val="bg1"/>
+              </a:solidFill>
+            </a:endParaRPr>
+          </a:p>
+        </p:txBody>
+      </p:sp>
+      <p:pic>
+        <p:nvPicPr>
+          <p:cNvPr id="3" name="Picture 2">
+            <a:extLst>
+              <a:ext uri="{FF2B5EF4-FFF2-40B4-BE49-F238E27FC236}">
+                <a16:creationId xmlns:a16="http://schemas.microsoft.com/office/drawing/2014/main" id="{A7D65544-491D-D212-3037-B10425F4756D}"/>
+              </a:ext>
+            </a:extLst>
+          </p:cNvPr>
+          <p:cNvPicPr>
+            <a:picLocks noChangeAspect="1"/>
+          </p:cNvPicPr>
+          <p:nvPr/>
+        </p:nvPicPr>
+        <p:blipFill>
+          <a:blip r:embed="rId4"/>
+          <a:stretch>
+            <a:fillRect/>
+          </a:stretch>
+        </p:blipFill>
+        <p:spPr>
+          <a:xfrm>
+            <a:off x="3619953" y="2197900"/>
+            <a:ext cx="2751552" cy="3101326"/>
+          </a:xfrm>
+          <a:prstGeom prst="rect">
+            <a:avLst/>
+          </a:prstGeom>
+        </p:spPr>
+      </p:pic>
+      <p:pic>
+        <p:nvPicPr>
+          <p:cNvPr id="5" name="Picture 4">
+            <a:extLst>
+              <a:ext uri="{FF2B5EF4-FFF2-40B4-BE49-F238E27FC236}">
+                <a16:creationId xmlns:a16="http://schemas.microsoft.com/office/drawing/2014/main" id="{BBE9F899-921E-E584-24E9-25B7EA04A77C}"/>
+              </a:ext>
+            </a:extLst>
+          </p:cNvPr>
+          <p:cNvPicPr>
+            <a:picLocks noChangeAspect="1"/>
+          </p:cNvPicPr>
+          <p:nvPr/>
+        </p:nvPicPr>
+        <p:blipFill>
+          <a:blip r:embed="rId5"/>
+          <a:stretch>
+            <a:fillRect/>
+          </a:stretch>
+        </p:blipFill>
+        <p:spPr>
+          <a:xfrm>
+            <a:off x="8392477" y="2195978"/>
+            <a:ext cx="2814953" cy="3071564"/>
+          </a:xfrm>
+          <a:prstGeom prst="rect">
+            <a:avLst/>
+          </a:prstGeom>
+        </p:spPr>
+      </p:pic>
     </p:spTree>
     <p:extLst>
       <p:ext uri="{BB962C8B-B14F-4D97-AF65-F5344CB8AC3E}">
-        <p14:creationId xmlns:p14="http://schemas.microsoft.com/office/powerpoint/2010/main" val="1315830825"/>
+        <p14:creationId xmlns:p14="http://schemas.microsoft.com/office/powerpoint/2010/main" val="1165095140"/>
       </p:ext>
     </p:extLst>
   </p:cSld>
@@ -4871,7 +5490,7 @@
 </p:sld>
 </file>
 
-<file path=ppt/slides/slide11.xml><?xml version="1.0" encoding="utf-8"?>
+<file path=ppt/slides/slide12.xml><?xml version="1.0" encoding="utf-8"?>
 <p:sld xmlns:a="http://schemas.openxmlformats.org/drawingml/2006/main" xmlns:r="http://schemas.openxmlformats.org/officeDocument/2006/relationships" xmlns:p="http://schemas.openxmlformats.org/presentationml/2006/main">
   <p:cSld>
     <p:bg>
@@ -5922,7 +6541,7 @@
 </p:sld>
 </file>
 
-<file path=ppt/slides/slide12.xml><?xml version="1.0" encoding="utf-8"?>
+<file path=ppt/slides/slide13.xml><?xml version="1.0" encoding="utf-8"?>
 <p:sld xmlns:a="http://schemas.openxmlformats.org/drawingml/2006/main" xmlns:r="http://schemas.openxmlformats.org/officeDocument/2006/relationships" xmlns:p="http://schemas.openxmlformats.org/presentationml/2006/main">
   <p:cSld>
     <p:bg>
@@ -6315,7 +6934,7 @@
         <p:spPr>
           <a:xfrm>
             <a:off x="3080082" y="1520792"/>
-            <a:ext cx="8522109" cy="5816977"/>
+            <a:ext cx="8522109" cy="5509200"/>
           </a:xfrm>
           <a:prstGeom prst="rect">
             <a:avLst/>
@@ -6513,14 +7132,11 @@
                 </a:solidFill>
                 <a:latin typeface="Selawik Semibold" panose="020B0702040204020203" pitchFamily="34" charset="0"/>
               </a:rPr>
-              <a:t>Low Linear Correlation</a:t>
-            </a:r>
-          </a:p>
-          <a:p>
-            <a:pPr marL="800100" lvl="1" indent="-342900">
-              <a:buFont typeface="Arial" panose="020B0604020202020204" pitchFamily="34" charset="0"/>
-              <a:buChar char="•"/>
-            </a:pPr>
+              <a:t>Results Based on All Pitchers Who</a:t>
+            </a:r>
+          </a:p>
+          <a:p>
+            <a:pPr lvl="1"/>
             <a:r>
               <a:rPr lang="en-US" sz="2000" dirty="0">
                 <a:solidFill>
@@ -6528,19 +7144,7 @@
                 </a:solidFill>
                 <a:latin typeface="Selawik Semibold" panose="020B0702040204020203" pitchFamily="34" charset="0"/>
               </a:rPr>
-              <a:t>Results Based on Pitchers </a:t>
-            </a:r>
-          </a:p>
-          <a:p>
-            <a:pPr lvl="1"/>
-            <a:r>
-              <a:rPr lang="en-US" sz="2000" dirty="0">
-                <a:solidFill>
-                  <a:schemeClr val="bg1"/>
-                </a:solidFill>
-                <a:latin typeface="Selawik Semibold" panose="020B0702040204020203" pitchFamily="34" charset="0"/>
-              </a:rPr>
-              <a:t>     with More than 10 Innings</a:t>
+              <a:t>     Pitched both Seasons</a:t>
             </a:r>
           </a:p>
           <a:p>
@@ -6634,10 +7238,10 @@
       </p:sp>
       <p:pic>
         <p:nvPicPr>
-          <p:cNvPr id="2" name="Picture 1">
-            <a:extLst>
-              <a:ext uri="{FF2B5EF4-FFF2-40B4-BE49-F238E27FC236}">
-                <a16:creationId xmlns:a16="http://schemas.microsoft.com/office/drawing/2014/main" id="{F05AE50A-8C43-4F4E-A46B-E6374FFEA40A}"/>
+          <p:cNvPr id="4" name="Picture 3">
+            <a:extLst>
+              <a:ext uri="{FF2B5EF4-FFF2-40B4-BE49-F238E27FC236}">
+                <a16:creationId xmlns:a16="http://schemas.microsoft.com/office/drawing/2014/main" id="{1F65AF72-B9B3-A218-CA1B-0F52F20674D9}"/>
               </a:ext>
             </a:extLst>
           </p:cNvPr>
@@ -6654,13 +7258,13 @@
         </p:blipFill>
         <p:spPr>
           <a:xfrm>
-            <a:off x="8172214" y="3917264"/>
-            <a:ext cx="3862560" cy="2800356"/>
+            <a:off x="8009282" y="4204901"/>
+            <a:ext cx="4090549" cy="2515479"/>
           </a:xfrm>
           <a:prstGeom prst="rect">
             <a:avLst/>
           </a:prstGeom>
-          <a:ln w="57150">
+          <a:ln w="25400">
             <a:solidFill>
               <a:schemeClr val="tx1"/>
             </a:solidFill>
@@ -6680,7 +7284,7 @@
 </p:sld>
 </file>
 
-<file path=ppt/slides/slide13.xml><?xml version="1.0" encoding="utf-8"?>
+<file path=ppt/slides/slide14.xml><?xml version="1.0" encoding="utf-8"?>
 <p:sld xmlns:a="http://schemas.openxmlformats.org/drawingml/2006/main" xmlns:r="http://schemas.openxmlformats.org/officeDocument/2006/relationships" xmlns:p="http://schemas.openxmlformats.org/presentationml/2006/main">
   <p:cSld>
     <p:bg>
@@ -7163,7 +7767,7 @@
                 </a:solidFill>
                 <a:latin typeface="Selawik Semibold" panose="020B0702040204020203" pitchFamily="34" charset="0"/>
               </a:rPr>
-              <a:t>From ERA Model, MAD = 0.68</a:t>
+              <a:t>From ERA Model, MAD = 0.93</a:t>
             </a:r>
           </a:p>
           <a:p>
@@ -7854,144 +8458,22 @@
           </p:sp>
         </mc:Fallback>
       </mc:AlternateContent>
-    </p:spTree>
-    <p:extLst>
-      <p:ext uri="{BB962C8B-B14F-4D97-AF65-F5344CB8AC3E}">
-        <p14:creationId xmlns:p14="http://schemas.microsoft.com/office/powerpoint/2010/main" val="1281959144"/>
-      </p:ext>
-    </p:extLst>
-  </p:cSld>
-  <p:clrMapOvr>
-    <a:masterClrMapping/>
-  </p:clrMapOvr>
-</p:sld>
-</file>
-
-<file path=ppt/slides/slide14.xml><?xml version="1.0" encoding="utf-8"?>
-<p:sld xmlns:a="http://schemas.openxmlformats.org/drawingml/2006/main" xmlns:r="http://schemas.openxmlformats.org/officeDocument/2006/relationships" xmlns:p="http://schemas.openxmlformats.org/presentationml/2006/main">
-  <p:cSld>
-    <p:bg>
-      <p:bgPr>
-        <a:solidFill>
-          <a:schemeClr val="bg1"/>
-        </a:solidFill>
-        <a:effectLst/>
-      </p:bgPr>
-    </p:bg>
-    <p:spTree>
-      <p:nvGrpSpPr>
-        <p:cNvPr id="1" name=""/>
-        <p:cNvGrpSpPr/>
-        <p:nvPr/>
-      </p:nvGrpSpPr>
-      <p:grpSpPr>
-        <a:xfrm>
-          <a:off x="0" y="0"/>
-          <a:ext cx="0" cy="0"/>
-          <a:chOff x="0" y="0"/>
-          <a:chExt cx="0" cy="0"/>
-        </a:xfrm>
-      </p:grpSpPr>
-      <p:sp>
-        <p:nvSpPr>
-          <p:cNvPr id="17" name="Rectangle 16">
-            <a:extLst>
-              <a:ext uri="{FF2B5EF4-FFF2-40B4-BE49-F238E27FC236}">
-                <a16:creationId xmlns:a16="http://schemas.microsoft.com/office/drawing/2014/main" id="{0A8FE870-A334-4DE1-84A7-AB191ED10D63}"/>
-              </a:ext>
-            </a:extLst>
-          </p:cNvPr>
-          <p:cNvSpPr/>
+      <p:sp>
+        <p:nvSpPr>
+          <p:cNvPr id="2" name="TextBox 1">
+            <a:extLst>
+              <a:ext uri="{FF2B5EF4-FFF2-40B4-BE49-F238E27FC236}">
+                <a16:creationId xmlns:a16="http://schemas.microsoft.com/office/drawing/2014/main" id="{95F7F801-E6DA-CA4F-C515-8C5AB2AD4F0F}"/>
+              </a:ext>
+            </a:extLst>
+          </p:cNvPr>
+          <p:cNvSpPr txBox="1"/>
           <p:nvPr/>
         </p:nvSpPr>
         <p:spPr>
           <a:xfrm>
-            <a:off x="0" y="-52157"/>
-            <a:ext cx="12192000" cy="6910157"/>
-          </a:xfrm>
-          <a:prstGeom prst="rect">
-            <a:avLst/>
-          </a:prstGeom>
-          <a:solidFill>
-            <a:srgbClr val="395583"/>
-          </a:solidFill>
-        </p:spPr>
-        <p:style>
-          <a:lnRef idx="2">
-            <a:schemeClr val="accent1">
-              <a:shade val="50000"/>
-            </a:schemeClr>
-          </a:lnRef>
-          <a:fillRef idx="1">
-            <a:schemeClr val="accent1"/>
-          </a:fillRef>
-          <a:effectRef idx="0">
-            <a:schemeClr val="accent1"/>
-          </a:effectRef>
-          <a:fontRef idx="minor">
-            <a:schemeClr val="lt1"/>
-          </a:fontRef>
-        </p:style>
-        <p:txBody>
-          <a:bodyPr rtlCol="0" anchor="ctr"/>
-          <a:lstStyle/>
-          <a:p>
-            <a:pPr algn="ctr"/>
-            <a:endParaRPr lang="en-US" dirty="0"/>
-          </a:p>
-        </p:txBody>
-      </p:sp>
-      <p:pic>
-        <p:nvPicPr>
-          <p:cNvPr id="8" name="Picture 7" descr="A close up of a toy&#10;&#10;Description automatically generated">
-            <a:extLst>
-              <a:ext uri="{FF2B5EF4-FFF2-40B4-BE49-F238E27FC236}">
-                <a16:creationId xmlns:a16="http://schemas.microsoft.com/office/drawing/2014/main" id="{131D5527-B848-4F84-9601-62DB93565332}"/>
-              </a:ext>
-            </a:extLst>
-          </p:cNvPr>
-          <p:cNvPicPr>
-            <a:picLocks noChangeAspect="1"/>
-          </p:cNvPicPr>
-          <p:nvPr/>
-        </p:nvPicPr>
-        <p:blipFill rotWithShape="1">
-          <a:blip r:embed="rId2">
-            <a:extLst>
-              <a:ext uri="{28A0092B-C50C-407E-A947-70E740481C1C}">
-                <a14:useLocalDpi xmlns:a14="http://schemas.microsoft.com/office/drawing/2010/main" val="0"/>
-              </a:ext>
-            </a:extLst>
-          </a:blip>
-          <a:srcRect l="6238" r="10796"/>
-          <a:stretch/>
-        </p:blipFill>
-        <p:spPr>
-          <a:xfrm>
-            <a:off x="0" y="-52157"/>
-            <a:ext cx="2684015" cy="3969421"/>
-          </a:xfrm>
-          <a:prstGeom prst="rect">
-            <a:avLst/>
-          </a:prstGeom>
-        </p:spPr>
-      </p:pic>
-      <p:sp>
-        <p:nvSpPr>
-          <p:cNvPr id="33" name="Rectangle 32">
-            <a:extLst>
-              <a:ext uri="{FF2B5EF4-FFF2-40B4-BE49-F238E27FC236}">
-                <a16:creationId xmlns:a16="http://schemas.microsoft.com/office/drawing/2014/main" id="{6F93929A-DE1C-47C4-AF97-F99DB104E96F}"/>
-              </a:ext>
-            </a:extLst>
-          </p:cNvPr>
-          <p:cNvSpPr/>
-          <p:nvPr/>
-        </p:nvSpPr>
-        <p:spPr>
-          <a:xfrm rot="16200000">
-            <a:off x="782431" y="1849427"/>
-            <a:ext cx="3969421" cy="166254"/>
+            <a:off x="10504720" y="4781001"/>
+            <a:ext cx="1530055" cy="830997"/>
           </a:xfrm>
           <a:prstGeom prst="rect">
             <a:avLst/>
@@ -7999,273 +8481,6 @@
           <a:solidFill>
             <a:schemeClr val="tx1"/>
           </a:solidFill>
-          <a:ln>
-            <a:noFill/>
-          </a:ln>
-        </p:spPr>
-        <p:style>
-          <a:lnRef idx="2">
-            <a:schemeClr val="accent1">
-              <a:shade val="50000"/>
-            </a:schemeClr>
-          </a:lnRef>
-          <a:fillRef idx="1">
-            <a:schemeClr val="accent1"/>
-          </a:fillRef>
-          <a:effectRef idx="0">
-            <a:schemeClr val="accent1"/>
-          </a:effectRef>
-          <a:fontRef idx="minor">
-            <a:schemeClr val="lt1"/>
-          </a:fontRef>
-        </p:style>
-        <p:txBody>
-          <a:bodyPr rtlCol="0" anchor="ctr"/>
-          <a:lstStyle/>
-          <a:p>
-            <a:pPr algn="ctr"/>
-            <a:endParaRPr lang="en-US" dirty="0">
-              <a:solidFill>
-                <a:srgbClr val="DB5B5C"/>
-              </a:solidFill>
-            </a:endParaRPr>
-          </a:p>
-        </p:txBody>
-      </p:sp>
-      <p:sp>
-        <p:nvSpPr>
-          <p:cNvPr id="35" name="Rectangle 34">
-            <a:extLst>
-              <a:ext uri="{FF2B5EF4-FFF2-40B4-BE49-F238E27FC236}">
-                <a16:creationId xmlns:a16="http://schemas.microsoft.com/office/drawing/2014/main" id="{259A39E4-556F-4581-82A2-C6B68A8147A4}"/>
-              </a:ext>
-            </a:extLst>
-          </p:cNvPr>
-          <p:cNvSpPr/>
-          <p:nvPr/>
-        </p:nvSpPr>
-        <p:spPr>
-          <a:xfrm rot="10800000">
-            <a:off x="-2" y="3756674"/>
-            <a:ext cx="2850269" cy="3101326"/>
-          </a:xfrm>
-          <a:prstGeom prst="rect">
-            <a:avLst/>
-          </a:prstGeom>
-          <a:solidFill>
-            <a:schemeClr val="tx1"/>
-          </a:solidFill>
-          <a:ln>
-            <a:noFill/>
-          </a:ln>
-        </p:spPr>
-        <p:style>
-          <a:lnRef idx="2">
-            <a:schemeClr val="accent1">
-              <a:shade val="50000"/>
-            </a:schemeClr>
-          </a:lnRef>
-          <a:fillRef idx="1">
-            <a:schemeClr val="accent1"/>
-          </a:fillRef>
-          <a:effectRef idx="0">
-            <a:schemeClr val="accent1"/>
-          </a:effectRef>
-          <a:fontRef idx="minor">
-            <a:schemeClr val="lt1"/>
-          </a:fontRef>
-        </p:style>
-        <p:txBody>
-          <a:bodyPr rtlCol="0" anchor="ctr"/>
-          <a:lstStyle/>
-          <a:p>
-            <a:pPr algn="ctr"/>
-            <a:endParaRPr lang="en-US" dirty="0">
-              <a:solidFill>
-                <a:srgbClr val="DB5B5C"/>
-              </a:solidFill>
-            </a:endParaRPr>
-          </a:p>
-        </p:txBody>
-      </p:sp>
-      <p:sp>
-        <p:nvSpPr>
-          <p:cNvPr id="23" name="Subtitle 22">
-            <a:extLst>
-              <a:ext uri="{FF2B5EF4-FFF2-40B4-BE49-F238E27FC236}">
-                <a16:creationId xmlns:a16="http://schemas.microsoft.com/office/drawing/2014/main" id="{1E5D6413-9C6F-483D-BE52-F3BBB1E74630}"/>
-              </a:ext>
-            </a:extLst>
-          </p:cNvPr>
-          <p:cNvSpPr>
-            <a:spLocks noGrp="1"/>
-          </p:cNvSpPr>
-          <p:nvPr>
-            <p:ph type="subTitle" idx="1"/>
-          </p:nvPr>
-        </p:nvSpPr>
-        <p:spPr>
-          <a:xfrm>
-            <a:off x="3007491" y="137620"/>
-            <a:ext cx="9341732" cy="1684867"/>
-          </a:xfrm>
-        </p:spPr>
-        <p:txBody>
-          <a:bodyPr>
-            <a:normAutofit/>
-          </a:bodyPr>
-          <a:lstStyle/>
-          <a:p>
-            <a:pPr algn="l"/>
-            <a:r>
-              <a:rPr lang="en-US" sz="4400" dirty="0">
-                <a:solidFill>
-                  <a:schemeClr val="bg1"/>
-                </a:solidFill>
-                <a:latin typeface="Selawik Semibold" panose="020B0702040204020203" pitchFamily="34" charset="0"/>
-              </a:rPr>
-              <a:t>Pitching Evaluation and Forecast</a:t>
-            </a:r>
-          </a:p>
-        </p:txBody>
-      </p:sp>
-      <p:pic>
-        <p:nvPicPr>
-          <p:cNvPr id="16" name="Picture 15" descr="A close up of a toy&#10;&#10;Description automatically generated">
-            <a:extLst>
-              <a:ext uri="{FF2B5EF4-FFF2-40B4-BE49-F238E27FC236}">
-                <a16:creationId xmlns:a16="http://schemas.microsoft.com/office/drawing/2014/main" id="{94C75949-F15C-4E05-810D-EF40FCE89107}"/>
-              </a:ext>
-            </a:extLst>
-          </p:cNvPr>
-          <p:cNvPicPr>
-            <a:picLocks noChangeAspect="1"/>
-          </p:cNvPicPr>
-          <p:nvPr/>
-        </p:nvPicPr>
-        <p:blipFill>
-          <a:blip r:embed="rId3">
-            <a:extLst>
-              <a:ext uri="{28A0092B-C50C-407E-A947-70E740481C1C}">
-                <a14:useLocalDpi xmlns:a14="http://schemas.microsoft.com/office/drawing/2010/main" val="0"/>
-              </a:ext>
-            </a:extLst>
-          </a:blip>
-          <a:stretch>
-            <a:fillRect/>
-          </a:stretch>
-        </p:blipFill>
-        <p:spPr>
-          <a:xfrm>
-            <a:off x="417789" y="4380288"/>
-            <a:ext cx="2014687" cy="2014687"/>
-          </a:xfrm>
-          <a:prstGeom prst="ellipse">
-            <a:avLst/>
-          </a:prstGeom>
-          <a:ln w="63500" cap="rnd">
-            <a:solidFill>
-              <a:srgbClr val="333333"/>
-            </a:solidFill>
-          </a:ln>
-          <a:effectLst>
-            <a:outerShdw blurRad="381000" dist="292100" dir="5400000" sx="-80000" sy="-18000" rotWithShape="0">
-              <a:srgbClr val="000000">
-                <a:alpha val="22000"/>
-              </a:srgbClr>
-            </a:outerShdw>
-          </a:effectLst>
-          <a:scene3d>
-            <a:camera prst="orthographicFront"/>
-            <a:lightRig rig="contrasting" dir="t">
-              <a:rot lat="0" lon="0" rev="3000000"/>
-            </a:lightRig>
-          </a:scene3d>
-          <a:sp3d contourW="7620">
-            <a:bevelT w="95250" h="31750"/>
-            <a:contourClr>
-              <a:srgbClr val="333333"/>
-            </a:contourClr>
-          </a:sp3d>
-        </p:spPr>
-      </p:pic>
-      <p:sp>
-        <p:nvSpPr>
-          <p:cNvPr id="38" name="Rectangle 37">
-            <a:extLst>
-              <a:ext uri="{FF2B5EF4-FFF2-40B4-BE49-F238E27FC236}">
-                <a16:creationId xmlns:a16="http://schemas.microsoft.com/office/drawing/2014/main" id="{28B1909D-4141-4FB1-8633-83F335349C97}"/>
-              </a:ext>
-            </a:extLst>
-          </p:cNvPr>
-          <p:cNvSpPr/>
-          <p:nvPr/>
-        </p:nvSpPr>
-        <p:spPr>
-          <a:xfrm rot="10800000">
-            <a:off x="3007493" y="844062"/>
-            <a:ext cx="9027282" cy="137067"/>
-          </a:xfrm>
-          <a:prstGeom prst="rect">
-            <a:avLst/>
-          </a:prstGeom>
-          <a:solidFill>
-            <a:schemeClr val="tx1"/>
-          </a:solidFill>
-          <a:ln>
-            <a:noFill/>
-          </a:ln>
-        </p:spPr>
-        <p:style>
-          <a:lnRef idx="2">
-            <a:schemeClr val="accent1">
-              <a:shade val="50000"/>
-            </a:schemeClr>
-          </a:lnRef>
-          <a:fillRef idx="1">
-            <a:schemeClr val="accent1"/>
-          </a:fillRef>
-          <a:effectRef idx="0">
-            <a:schemeClr val="accent1"/>
-          </a:effectRef>
-          <a:fontRef idx="minor">
-            <a:schemeClr val="lt1"/>
-          </a:fontRef>
-        </p:style>
-        <p:txBody>
-          <a:bodyPr rtlCol="0" anchor="ctr"/>
-          <a:lstStyle/>
-          <a:p>
-            <a:pPr algn="ctr"/>
-            <a:endParaRPr lang="en-US" dirty="0">
-              <a:solidFill>
-                <a:srgbClr val="DB5B5C"/>
-              </a:solidFill>
-            </a:endParaRPr>
-          </a:p>
-        </p:txBody>
-      </p:sp>
-      <p:sp>
-        <p:nvSpPr>
-          <p:cNvPr id="10" name="TextBox 9">
-            <a:extLst>
-              <a:ext uri="{FF2B5EF4-FFF2-40B4-BE49-F238E27FC236}">
-                <a16:creationId xmlns:a16="http://schemas.microsoft.com/office/drawing/2014/main" id="{8A07C2CC-416F-4D29-84CF-D1F8B766EE5F}"/>
-              </a:ext>
-            </a:extLst>
-          </p:cNvPr>
-          <p:cNvSpPr txBox="1"/>
-          <p:nvPr/>
-        </p:nvSpPr>
-        <p:spPr>
-          <a:xfrm>
-            <a:off x="3080083" y="1520792"/>
-            <a:ext cx="6850996" cy="6309420"/>
-          </a:xfrm>
-          <a:prstGeom prst="rect">
-            <a:avLst/>
-          </a:prstGeom>
-          <a:noFill/>
         </p:spPr>
         <p:txBody>
           <a:bodyPr wrap="square" rtlCol="0">
@@ -8273,371 +8488,35 @@
           </a:bodyPr>
           <a:lstStyle/>
           <a:p>
-            <a:pPr marL="342900" indent="-342900">
-              <a:buFont typeface="Arial" panose="020B0604020202020204" pitchFamily="34" charset="0"/>
-              <a:buChar char="•"/>
-            </a:pPr>
-            <a:r>
-              <a:rPr lang="en-US" sz="2400" dirty="0">
-                <a:solidFill>
-                  <a:schemeClr val="bg1"/>
-                </a:solidFill>
-                <a:latin typeface="Selawik Semibold" panose="020B0702040204020203" pitchFamily="34" charset="0"/>
-              </a:rPr>
-              <a:t>Evaluating Forecast Error</a:t>
-            </a:r>
-          </a:p>
-          <a:p>
-            <a:pPr marL="800100" lvl="1" indent="-342900">
-              <a:buFont typeface="Arial" panose="020B0604020202020204" pitchFamily="34" charset="0"/>
-              <a:buChar char="•"/>
-            </a:pPr>
-            <a:r>
-              <a:rPr lang="en-US" sz="2000" dirty="0">
-                <a:solidFill>
-                  <a:schemeClr val="bg1"/>
-                </a:solidFill>
-                <a:latin typeface="Selawik Semibold" panose="020B0702040204020203" pitchFamily="34" charset="0"/>
-              </a:rPr>
-              <a:t>Mean Absolute Deviation (MAD)</a:t>
-            </a:r>
-          </a:p>
-          <a:p>
-            <a:pPr marL="800100" lvl="1" indent="-342900">
-              <a:buFont typeface="Arial" panose="020B0604020202020204" pitchFamily="34" charset="0"/>
-              <a:buChar char="•"/>
-            </a:pPr>
-            <a:endParaRPr lang="en-US" sz="2000" dirty="0">
-              <a:solidFill>
-                <a:schemeClr val="bg1"/>
-              </a:solidFill>
-              <a:latin typeface="Selawik Semibold" panose="020B0702040204020203" pitchFamily="34" charset="0"/>
-            </a:endParaRPr>
-          </a:p>
-          <a:p>
-            <a:pPr marL="800100" lvl="1" indent="-342900">
-              <a:buFont typeface="Arial" panose="020B0604020202020204" pitchFamily="34" charset="0"/>
-              <a:buChar char="•"/>
-            </a:pPr>
-            <a:endParaRPr lang="en-US" sz="2000" dirty="0">
-              <a:solidFill>
-                <a:schemeClr val="bg1"/>
-              </a:solidFill>
-              <a:latin typeface="Selawik Semibold" panose="020B0702040204020203" pitchFamily="34" charset="0"/>
-            </a:endParaRPr>
-          </a:p>
-          <a:p>
-            <a:pPr marL="800100" lvl="1" indent="-342900">
-              <a:buFont typeface="Arial" panose="020B0604020202020204" pitchFamily="34" charset="0"/>
-              <a:buChar char="•"/>
-            </a:pPr>
-            <a:endParaRPr lang="en-US" sz="2000" dirty="0">
-              <a:solidFill>
-                <a:schemeClr val="bg1"/>
-              </a:solidFill>
-              <a:latin typeface="Selawik Semibold" panose="020B0702040204020203" pitchFamily="34" charset="0"/>
-            </a:endParaRPr>
-          </a:p>
-          <a:p>
-            <a:pPr marL="800100" lvl="1" indent="-342900">
-              <a:buFont typeface="Arial" panose="020B0604020202020204" pitchFamily="34" charset="0"/>
-              <a:buChar char="•"/>
-            </a:pPr>
-            <a:r>
-              <a:rPr lang="en-US" sz="2000" dirty="0">
-                <a:solidFill>
-                  <a:schemeClr val="bg1"/>
-                </a:solidFill>
-                <a:latin typeface="Selawik Semibold" panose="020B0702040204020203" pitchFamily="34" charset="0"/>
-              </a:rPr>
-              <a:t>From ERA Model, MAD = 0.68</a:t>
-            </a:r>
-          </a:p>
-          <a:p>
-            <a:pPr marL="800100" lvl="1" indent="-342900">
-              <a:buFont typeface="Arial" panose="020B0604020202020204" pitchFamily="34" charset="0"/>
-              <a:buChar char="•"/>
-            </a:pPr>
-            <a:endParaRPr lang="en-US" sz="2000" dirty="0">
-              <a:solidFill>
-                <a:schemeClr val="bg1"/>
-              </a:solidFill>
-              <a:latin typeface="Selawik Semibold" panose="020B0702040204020203" pitchFamily="34" charset="0"/>
-            </a:endParaRPr>
-          </a:p>
-          <a:p>
-            <a:pPr marL="342900" indent="-342900">
-              <a:buFont typeface="Arial" panose="020B0604020202020204" pitchFamily="34" charset="0"/>
-              <a:buChar char="•"/>
-            </a:pPr>
-            <a:r>
-              <a:rPr lang="en-US" sz="2400" dirty="0">
-                <a:solidFill>
-                  <a:schemeClr val="bg1"/>
-                </a:solidFill>
-                <a:latin typeface="Selawik Semibold" panose="020B0702040204020203" pitchFamily="34" charset="0"/>
-              </a:rPr>
-              <a:t>Additional Measures of Pitcher Effectiveness</a:t>
-            </a:r>
-          </a:p>
-          <a:p>
-            <a:pPr marL="800100" lvl="1" indent="-342900">
-              <a:buFont typeface="Arial" panose="020B0604020202020204" pitchFamily="34" charset="0"/>
-              <a:buChar char="•"/>
-            </a:pPr>
-            <a:r>
-              <a:rPr lang="en-US" sz="2000" dirty="0">
-                <a:solidFill>
-                  <a:schemeClr val="bg1"/>
-                </a:solidFill>
-                <a:latin typeface="Selawik Semibold" panose="020B0702040204020203" pitchFamily="34" charset="0"/>
-              </a:rPr>
-              <a:t>Analysis by </a:t>
-            </a:r>
-            <a:r>
-              <a:rPr lang="en-US" sz="2000" dirty="0" err="1">
-                <a:solidFill>
-                  <a:schemeClr val="bg1"/>
-                </a:solidFill>
-                <a:latin typeface="Selawik Semibold" panose="020B0702040204020203" pitchFamily="34" charset="0"/>
-              </a:rPr>
-              <a:t>Voros</a:t>
-            </a:r>
-            <a:r>
-              <a:rPr lang="en-US" sz="2000" dirty="0">
-                <a:solidFill>
-                  <a:schemeClr val="bg1"/>
-                </a:solidFill>
-                <a:latin typeface="Selawik Semibold" panose="020B0702040204020203" pitchFamily="34" charset="0"/>
-              </a:rPr>
-              <a:t> McCracken (2001)</a:t>
-            </a:r>
-          </a:p>
-          <a:p>
-            <a:pPr marL="800100" lvl="1" indent="-342900">
-              <a:buFont typeface="Arial" panose="020B0604020202020204" pitchFamily="34" charset="0"/>
-              <a:buChar char="•"/>
-            </a:pPr>
-            <a:r>
-              <a:rPr lang="en-US" sz="2000" dirty="0">
-                <a:solidFill>
-                  <a:schemeClr val="bg1"/>
-                </a:solidFill>
-                <a:latin typeface="Selawik Semibold" panose="020B0702040204020203" pitchFamily="34" charset="0"/>
-              </a:rPr>
-              <a:t>Fraction of Batters Faced by Pitchers That Result in Balls in Play</a:t>
-            </a:r>
-          </a:p>
-          <a:p>
-            <a:pPr marL="800100" lvl="1" indent="-342900">
-              <a:buFont typeface="Arial" panose="020B0604020202020204" pitchFamily="34" charset="0"/>
-              <a:buChar char="•"/>
-            </a:pPr>
-            <a:r>
-              <a:rPr lang="en-US" sz="2000" dirty="0">
-                <a:solidFill>
-                  <a:schemeClr val="bg1"/>
-                </a:solidFill>
-                <a:latin typeface="Selawik Semibold" panose="020B0702040204020203" pitchFamily="34" charset="0"/>
-              </a:rPr>
-              <a:t>Fraction of Balls in Play That Result in Hits</a:t>
-            </a:r>
-          </a:p>
-          <a:p>
-            <a:pPr marL="800100" lvl="1" indent="-342900">
-              <a:buFont typeface="Arial" panose="020B0604020202020204" pitchFamily="34" charset="0"/>
-              <a:buChar char="•"/>
-            </a:pPr>
-            <a:r>
-              <a:rPr lang="en-US" sz="2000" dirty="0">
-                <a:solidFill>
-                  <a:schemeClr val="bg1"/>
-                </a:solidFill>
-                <a:latin typeface="Selawik Semibold" panose="020B0702040204020203" pitchFamily="34" charset="0"/>
-              </a:rPr>
-              <a:t>Fraction of Batters Faced by Pitchers That Do Not Result in Balls in Play</a:t>
-            </a:r>
-          </a:p>
-          <a:p>
-            <a:pPr marL="800100" lvl="1" indent="-342900">
-              <a:buFont typeface="Arial" panose="020B0604020202020204" pitchFamily="34" charset="0"/>
-              <a:buChar char="•"/>
-            </a:pPr>
-            <a:r>
-              <a:rPr lang="en-US" sz="2000" dirty="0">
-                <a:solidFill>
-                  <a:schemeClr val="bg1"/>
-                </a:solidFill>
-                <a:latin typeface="Selawik Semibold" panose="020B0702040204020203" pitchFamily="34" charset="0"/>
-              </a:rPr>
-              <a:t>Defense Independent Pitching Stats (DIPS)</a:t>
-            </a:r>
-          </a:p>
-          <a:p>
-            <a:pPr marL="1257300" lvl="2" indent="-342900">
-              <a:buFont typeface="Arial" panose="020B0604020202020204" pitchFamily="34" charset="0"/>
-              <a:buChar char="•"/>
-            </a:pPr>
-            <a:r>
-              <a:rPr lang="en-US" dirty="0">
-                <a:solidFill>
-                  <a:schemeClr val="bg1"/>
-                </a:solidFill>
-                <a:latin typeface="Selawik Semibold" panose="020B0702040204020203" pitchFamily="34" charset="0"/>
-              </a:rPr>
-              <a:t>K, BB, HBP, and HR </a:t>
-            </a:r>
-          </a:p>
-          <a:p>
-            <a:pPr marL="1257300" lvl="2" indent="-342900">
-              <a:buFont typeface="Arial" panose="020B0604020202020204" pitchFamily="34" charset="0"/>
-              <a:buChar char="•"/>
-            </a:pPr>
-            <a:r>
-              <a:rPr lang="en-US" dirty="0">
-                <a:solidFill>
-                  <a:schemeClr val="bg1"/>
-                </a:solidFill>
-                <a:latin typeface="Selawik Semibold" panose="020B0702040204020203" pitchFamily="34" charset="0"/>
-              </a:rPr>
-              <a:t>Independent of Teams Fielding Ability</a:t>
-            </a:r>
-          </a:p>
-          <a:p>
-            <a:pPr marL="800100" lvl="1" indent="-342900">
-              <a:buFont typeface="Arial" panose="020B0604020202020204" pitchFamily="34" charset="0"/>
-              <a:buChar char="•"/>
-            </a:pPr>
-            <a:endParaRPr lang="en-US" sz="2000" dirty="0">
-              <a:solidFill>
-                <a:schemeClr val="bg1"/>
-              </a:solidFill>
-              <a:latin typeface="Selawik Semibold" panose="020B0702040204020203" pitchFamily="34" charset="0"/>
-            </a:endParaRPr>
-          </a:p>
-          <a:p>
-            <a:pPr marL="800100" lvl="1" indent="-342900">
-              <a:buFont typeface="Arial" panose="020B0604020202020204" pitchFamily="34" charset="0"/>
-              <a:buChar char="•"/>
-            </a:pPr>
-            <a:endParaRPr lang="en-US" sz="2000" dirty="0">
-              <a:solidFill>
-                <a:schemeClr val="bg1"/>
-              </a:solidFill>
-              <a:latin typeface="Selawik Semibold" panose="020B0702040204020203" pitchFamily="34" charset="0"/>
-            </a:endParaRPr>
-          </a:p>
-          <a:p>
-            <a:pPr marL="800100" lvl="1" indent="-342900">
-              <a:buFont typeface="Arial" panose="020B0604020202020204" pitchFamily="34" charset="0"/>
-              <a:buChar char="•"/>
-            </a:pPr>
-            <a:endParaRPr lang="en-US" sz="2000" dirty="0">
-              <a:solidFill>
-                <a:schemeClr val="bg1"/>
-              </a:solidFill>
-              <a:latin typeface="Selawik Semibold" panose="020B0702040204020203" pitchFamily="34" charset="0"/>
-            </a:endParaRPr>
-          </a:p>
-        </p:txBody>
-      </p:sp>
-      <p:sp>
-        <p:nvSpPr>
-          <p:cNvPr id="12" name="TextBox 11">
-            <a:extLst>
-              <a:ext uri="{FF2B5EF4-FFF2-40B4-BE49-F238E27FC236}">
-                <a16:creationId xmlns:a16="http://schemas.microsoft.com/office/drawing/2014/main" id="{FABBF291-D245-44B8-9C13-41ACDEE092DE}"/>
-              </a:ext>
-            </a:extLst>
-          </p:cNvPr>
-          <p:cNvSpPr txBox="1"/>
-          <p:nvPr/>
-        </p:nvSpPr>
-        <p:spPr>
-          <a:xfrm>
-            <a:off x="9397453" y="1067024"/>
-            <a:ext cx="2637322" cy="2308324"/>
-          </a:xfrm>
-          <a:prstGeom prst="rect">
-            <a:avLst/>
-          </a:prstGeom>
-          <a:solidFill>
-            <a:schemeClr val="tx1"/>
-          </a:solidFill>
-        </p:spPr>
-        <p:txBody>
-          <a:bodyPr wrap="square" rtlCol="0">
-            <a:spAutoFit/>
-          </a:bodyPr>
-          <a:lstStyle/>
-          <a:p>
+            <a:pPr algn="ctr"/>
             <a:r>
               <a:rPr lang="en-US" sz="2400" dirty="0">
                 <a:solidFill>
                   <a:schemeClr val="bg1"/>
                 </a:solidFill>
               </a:rPr>
-              <a:t>y = Current ERA</a:t>
-            </a:r>
-          </a:p>
-          <a:p>
+              <a:t>Difficult to </a:t>
+            </a:r>
+          </a:p>
+          <a:p>
+            <a:pPr algn="ctr"/>
             <a:r>
               <a:rPr lang="en-US" sz="2400" dirty="0">
                 <a:solidFill>
                   <a:schemeClr val="bg1"/>
                 </a:solidFill>
               </a:rPr>
-              <a:t>y = Forecast ERA</a:t>
-            </a:r>
-          </a:p>
-          <a:p>
-            <a:r>
-              <a:rPr lang="en-US" sz="2400" dirty="0">
-                <a:solidFill>
-                  <a:schemeClr val="bg1"/>
-                </a:solidFill>
-              </a:rPr>
-              <a:t>K = Strikeout</a:t>
-            </a:r>
-          </a:p>
-          <a:p>
-            <a:r>
-              <a:rPr lang="en-US" sz="2400" dirty="0">
-                <a:solidFill>
-                  <a:schemeClr val="bg1"/>
-                </a:solidFill>
-              </a:rPr>
-              <a:t>BB = Walk</a:t>
-            </a:r>
-          </a:p>
-          <a:p>
-            <a:r>
-              <a:rPr lang="en-US" sz="2400" dirty="0">
-                <a:solidFill>
-                  <a:schemeClr val="bg1"/>
-                </a:solidFill>
-              </a:rPr>
-              <a:t>HBP = Hit by Pitch</a:t>
-            </a:r>
-          </a:p>
-          <a:p>
-            <a:r>
-              <a:rPr lang="en-US" sz="2400" dirty="0">
-                <a:solidFill>
-                  <a:schemeClr val="bg1"/>
-                </a:solidFill>
-              </a:rPr>
-              <a:t>HR = Home Run</a:t>
+              <a:t>Predict</a:t>
             </a:r>
           </a:p>
         </p:txBody>
       </p:sp>
       <p:cxnSp>
         <p:nvCxnSpPr>
-          <p:cNvPr id="4" name="Straight Connector 3">
-            <a:extLst>
-              <a:ext uri="{FF2B5EF4-FFF2-40B4-BE49-F238E27FC236}">
-                <a16:creationId xmlns:a16="http://schemas.microsoft.com/office/drawing/2014/main" id="{310D1ABB-B3A4-46A7-8D2D-68F3CD5AF18E}"/>
+          <p:cNvPr id="5" name="Straight Arrow Connector 4">
+            <a:extLst>
+              <a:ext uri="{FF2B5EF4-FFF2-40B4-BE49-F238E27FC236}">
+                <a16:creationId xmlns:a16="http://schemas.microsoft.com/office/drawing/2014/main" id="{FB077917-0CCC-4CA8-298A-B15FE6338E65}"/>
               </a:ext>
             </a:extLst>
           </p:cNvPr>
@@ -8648,403 +8527,35 @@
         </p:nvCxnSpPr>
         <p:spPr>
           <a:xfrm flipH="1">
-            <a:off x="9442177" y="1517374"/>
-            <a:ext cx="125895" cy="112644"/>
-          </a:xfrm>
-          <a:prstGeom prst="line">
+            <a:off x="8984673" y="5196500"/>
+            <a:ext cx="1598660" cy="0"/>
+          </a:xfrm>
+          <a:prstGeom prst="straightConnector1">
             <a:avLst/>
           </a:prstGeom>
-          <a:ln w="19050">
-            <a:solidFill>
-              <a:schemeClr val="bg1"/>
-            </a:solidFill>
+          <a:ln w="28575">
+            <a:tailEnd type="triangle"/>
           </a:ln>
         </p:spPr>
         <p:style>
           <a:lnRef idx="1">
-            <a:schemeClr val="accent1"/>
+            <a:schemeClr val="dk1"/>
           </a:lnRef>
           <a:fillRef idx="0">
-            <a:schemeClr val="accent1"/>
+            <a:schemeClr val="dk1"/>
           </a:fillRef>
           <a:effectRef idx="0">
-            <a:schemeClr val="accent1"/>
+            <a:schemeClr val="dk1"/>
           </a:effectRef>
           <a:fontRef idx="minor">
             <a:schemeClr val="tx1"/>
           </a:fontRef>
         </p:style>
       </p:cxnSp>
-      <p:cxnSp>
-        <p:nvCxnSpPr>
-          <p:cNvPr id="15" name="Straight Connector 14">
-            <a:extLst>
-              <a:ext uri="{FF2B5EF4-FFF2-40B4-BE49-F238E27FC236}">
-                <a16:creationId xmlns:a16="http://schemas.microsoft.com/office/drawing/2014/main" id="{BA5A0199-19CF-496B-B1FD-08CD04F01408}"/>
-              </a:ext>
-            </a:extLst>
-          </p:cNvPr>
-          <p:cNvCxnSpPr>
-            <a:cxnSpLocks/>
-          </p:cNvCxnSpPr>
-          <p:nvPr/>
-        </p:nvCxnSpPr>
-        <p:spPr>
-          <a:xfrm>
-            <a:off x="9547602" y="1514062"/>
-            <a:ext cx="125895" cy="112644"/>
-          </a:xfrm>
-          <a:prstGeom prst="line">
-            <a:avLst/>
-          </a:prstGeom>
-          <a:ln w="19050">
-            <a:solidFill>
-              <a:schemeClr val="bg1"/>
-            </a:solidFill>
-          </a:ln>
-        </p:spPr>
-        <p:style>
-          <a:lnRef idx="1">
-            <a:schemeClr val="accent1"/>
-          </a:lnRef>
-          <a:fillRef idx="0">
-            <a:schemeClr val="accent1"/>
-          </a:fillRef>
-          <a:effectRef idx="0">
-            <a:schemeClr val="accent1"/>
-          </a:effectRef>
-          <a:fontRef idx="minor">
-            <a:schemeClr val="tx1"/>
-          </a:fontRef>
-        </p:style>
-      </p:cxnSp>
-      <mc:AlternateContent xmlns:mc="http://schemas.openxmlformats.org/markup-compatibility/2006" xmlns:a14="http://schemas.microsoft.com/office/drawing/2010/main">
-        <mc:Choice Requires="a14">
-          <p:sp>
-            <p:nvSpPr>
-              <p:cNvPr id="18" name="TextBox 17">
-                <a:extLst>
-                  <a:ext uri="{FF2B5EF4-FFF2-40B4-BE49-F238E27FC236}">
-                    <a16:creationId xmlns:a16="http://schemas.microsoft.com/office/drawing/2014/main" id="{8AF2DA2E-E5DA-424B-8F04-7942F0F39469}"/>
-                  </a:ext>
-                </a:extLst>
-              </p:cNvPr>
-              <p:cNvSpPr txBox="1"/>
-              <p:nvPr/>
-            </p:nvSpPr>
-            <p:spPr>
-              <a:xfrm>
-                <a:off x="1700031" y="2238135"/>
-                <a:ext cx="7214761" cy="931217"/>
-              </a:xfrm>
-              <a:prstGeom prst="rect">
-                <a:avLst/>
-              </a:prstGeom>
-              <a:noFill/>
-            </p:spPr>
-            <p:txBody>
-              <a:bodyPr wrap="square" rtlCol="0">
-                <a:spAutoFit/>
-              </a:bodyPr>
-              <a:lstStyle/>
-              <a:p>
-                <a:pPr/>
-                <a14:m>
-                  <m:oMathPara xmlns:m="http://schemas.openxmlformats.org/officeDocument/2006/math">
-                    <m:oMathParaPr>
-                      <m:jc m:val="centerGroup"/>
-                    </m:oMathParaPr>
-                    <m:oMath xmlns:m="http://schemas.openxmlformats.org/officeDocument/2006/math">
-                      <m:r>
-                        <a:rPr lang="en-US" sz="2000" b="1" i="1" smtClean="0">
-                          <a:solidFill>
-                            <a:schemeClr val="bg1"/>
-                          </a:solidFill>
-                          <a:latin typeface="Cambria Math" panose="02040503050406030204" pitchFamily="18" charset="0"/>
-                        </a:rPr>
-                        <m:t>𝑴𝑨𝑫</m:t>
-                      </m:r>
-                      <m:r>
-                        <a:rPr lang="en-US" sz="2000" b="1" i="1" smtClean="0">
-                          <a:solidFill>
-                            <a:schemeClr val="bg1"/>
-                          </a:solidFill>
-                          <a:latin typeface="Cambria Math" panose="02040503050406030204" pitchFamily="18" charset="0"/>
-                        </a:rPr>
-                        <m:t>=</m:t>
-                      </m:r>
-                      <m:f>
-                        <m:fPr>
-                          <m:ctrlPr>
-                            <a:rPr lang="en-US" sz="2000" b="1" i="1" smtClean="0">
-                              <a:solidFill>
-                                <a:schemeClr val="bg1"/>
-                              </a:solidFill>
-                              <a:latin typeface="Cambria Math" panose="02040503050406030204" pitchFamily="18" charset="0"/>
-                            </a:rPr>
-                          </m:ctrlPr>
-                        </m:fPr>
-                        <m:num>
-                          <m:r>
-                            <a:rPr lang="en-US" sz="2000" b="1" i="1">
-                              <a:solidFill>
-                                <a:schemeClr val="bg1"/>
-                              </a:solidFill>
-                              <a:latin typeface="Cambria Math" panose="02040503050406030204" pitchFamily="18" charset="0"/>
-                            </a:rPr>
-                            <m:t>𝟏</m:t>
-                          </m:r>
-                        </m:num>
-                        <m:den>
-                          <m:r>
-                            <a:rPr lang="en-US" sz="2000" b="1" i="1" smtClean="0">
-                              <a:solidFill>
-                                <a:schemeClr val="bg1"/>
-                              </a:solidFill>
-                              <a:latin typeface="Cambria Math" panose="02040503050406030204" pitchFamily="18" charset="0"/>
-                            </a:rPr>
-                            <m:t>𝒏</m:t>
-                          </m:r>
-                        </m:den>
-                      </m:f>
-                      <m:r>
-                        <a:rPr lang="en-US" sz="2000" b="1" i="1">
-                          <a:solidFill>
-                            <a:schemeClr val="bg1"/>
-                          </a:solidFill>
-                          <a:latin typeface="Cambria Math" panose="02040503050406030204" pitchFamily="18" charset="0"/>
-                        </a:rPr>
-                        <m:t>×</m:t>
-                      </m:r>
-                      <m:nary>
-                        <m:naryPr>
-                          <m:chr m:val="∑"/>
-                          <m:ctrlPr>
-                            <a:rPr lang="en-US" sz="2000" b="1" i="1" smtClean="0">
-                              <a:solidFill>
-                                <a:schemeClr val="bg1"/>
-                              </a:solidFill>
-                              <a:latin typeface="Cambria Math" panose="02040503050406030204" pitchFamily="18" charset="0"/>
-                            </a:rPr>
-                          </m:ctrlPr>
-                        </m:naryPr>
-                        <m:sub>
-                          <m:r>
-                            <m:rPr>
-                              <m:brk m:alnAt="23"/>
-                            </m:rPr>
-                            <a:rPr lang="en-US" sz="2000" b="1" i="1" smtClean="0">
-                              <a:solidFill>
-                                <a:schemeClr val="bg1"/>
-                              </a:solidFill>
-                              <a:latin typeface="Cambria Math" panose="02040503050406030204" pitchFamily="18" charset="0"/>
-                            </a:rPr>
-                            <m:t>𝒊</m:t>
-                          </m:r>
-                          <m:r>
-                            <a:rPr lang="en-US" sz="2000" b="1" i="1" smtClean="0">
-                              <a:solidFill>
-                                <a:schemeClr val="bg1"/>
-                              </a:solidFill>
-                              <a:latin typeface="Cambria Math" panose="02040503050406030204" pitchFamily="18" charset="0"/>
-                            </a:rPr>
-                            <m:t>=</m:t>
-                          </m:r>
-                          <m:r>
-                            <a:rPr lang="en-US" sz="2000" b="1" i="1" smtClean="0">
-                              <a:solidFill>
-                                <a:schemeClr val="bg1"/>
-                              </a:solidFill>
-                              <a:latin typeface="Cambria Math" panose="02040503050406030204" pitchFamily="18" charset="0"/>
-                            </a:rPr>
-                            <m:t>𝟏</m:t>
-                          </m:r>
-                        </m:sub>
-                        <m:sup>
-                          <m:r>
-                            <a:rPr lang="en-US" sz="2000" b="1" i="1" smtClean="0">
-                              <a:solidFill>
-                                <a:schemeClr val="bg1"/>
-                              </a:solidFill>
-                              <a:latin typeface="Cambria Math" panose="02040503050406030204" pitchFamily="18" charset="0"/>
-                            </a:rPr>
-                            <m:t>𝒏</m:t>
-                          </m:r>
-                        </m:sup>
-                        <m:e>
-                          <m:r>
-                            <a:rPr lang="en-US" sz="2000" b="1" i="1" smtClean="0">
-                              <a:solidFill>
-                                <a:schemeClr val="bg1"/>
-                              </a:solidFill>
-                              <a:latin typeface="Cambria Math" panose="02040503050406030204" pitchFamily="18" charset="0"/>
-                            </a:rPr>
-                            <m:t>|</m:t>
-                          </m:r>
-                          <m:sSub>
-                            <m:sSubPr>
-                              <m:ctrlPr>
-                                <a:rPr lang="en-US" sz="2000" b="1" i="1" smtClean="0">
-                                  <a:solidFill>
-                                    <a:schemeClr val="bg1"/>
-                                  </a:solidFill>
-                                  <a:latin typeface="Cambria Math" panose="02040503050406030204" pitchFamily="18" charset="0"/>
-                                </a:rPr>
-                              </m:ctrlPr>
-                            </m:sSubPr>
-                            <m:e>
-                              <m:r>
-                                <a:rPr lang="en-US" sz="2000" b="1" i="1" smtClean="0">
-                                  <a:solidFill>
-                                    <a:schemeClr val="bg1"/>
-                                  </a:solidFill>
-                                  <a:latin typeface="Cambria Math" panose="02040503050406030204" pitchFamily="18" charset="0"/>
-                                </a:rPr>
-                                <m:t>𝒚</m:t>
-                              </m:r>
-                            </m:e>
-                            <m:sub>
-                              <m:r>
-                                <a:rPr lang="en-US" sz="2000" b="1" i="1" smtClean="0">
-                                  <a:solidFill>
-                                    <a:schemeClr val="bg1"/>
-                                  </a:solidFill>
-                                  <a:latin typeface="Cambria Math" panose="02040503050406030204" pitchFamily="18" charset="0"/>
-                                </a:rPr>
-                                <m:t>𝒊</m:t>
-                              </m:r>
-                            </m:sub>
-                          </m:sSub>
-                          <m:r>
-                            <a:rPr lang="en-US" sz="2000" b="1" i="1" smtClean="0">
-                              <a:solidFill>
-                                <a:schemeClr val="bg1"/>
-                              </a:solidFill>
-                              <a:latin typeface="Cambria Math" panose="02040503050406030204" pitchFamily="18" charset="0"/>
-                            </a:rPr>
-                            <m:t>−</m:t>
-                          </m:r>
-                          <m:acc>
-                            <m:accPr>
-                              <m:chr m:val="̂"/>
-                              <m:ctrlPr>
-                                <a:rPr lang="en-US" sz="2000" b="1" i="1" smtClean="0">
-                                  <a:solidFill>
-                                    <a:schemeClr val="bg1"/>
-                                  </a:solidFill>
-                                  <a:latin typeface="Cambria Math" panose="02040503050406030204" pitchFamily="18" charset="0"/>
-                                </a:rPr>
-                              </m:ctrlPr>
-                            </m:accPr>
-                            <m:e>
-                              <m:sSub>
-                                <m:sSubPr>
-                                  <m:ctrlPr>
-                                    <a:rPr lang="en-US" sz="2000" b="1" i="1" smtClean="0">
-                                      <a:solidFill>
-                                        <a:schemeClr val="bg1"/>
-                                      </a:solidFill>
-                                      <a:latin typeface="Cambria Math" panose="02040503050406030204" pitchFamily="18" charset="0"/>
-                                    </a:rPr>
-                                  </m:ctrlPr>
-                                </m:sSubPr>
-                                <m:e>
-                                  <m:r>
-                                    <a:rPr lang="en-US" sz="2000" b="1" i="1" smtClean="0">
-                                      <a:solidFill>
-                                        <a:schemeClr val="bg1"/>
-                                      </a:solidFill>
-                                      <a:latin typeface="Cambria Math" panose="02040503050406030204" pitchFamily="18" charset="0"/>
-                                    </a:rPr>
-                                    <m:t>𝒚</m:t>
-                                  </m:r>
-                                </m:e>
-                                <m:sub>
-                                  <m:r>
-                                    <a:rPr lang="en-US" sz="2000" b="1" i="1" smtClean="0">
-                                      <a:solidFill>
-                                        <a:schemeClr val="bg1"/>
-                                      </a:solidFill>
-                                      <a:latin typeface="Cambria Math" panose="02040503050406030204" pitchFamily="18" charset="0"/>
-                                    </a:rPr>
-                                    <m:t>𝒊</m:t>
-                                  </m:r>
-                                </m:sub>
-                              </m:sSub>
-                            </m:e>
-                          </m:acc>
-                          <m:r>
-                            <a:rPr lang="en-US" sz="2000" b="1" i="1" smtClean="0">
-                              <a:solidFill>
-                                <a:schemeClr val="bg1"/>
-                              </a:solidFill>
-                              <a:latin typeface="Cambria Math" panose="02040503050406030204" pitchFamily="18" charset="0"/>
-                            </a:rPr>
-                            <m:t>|</m:t>
-                          </m:r>
-                        </m:e>
-                      </m:nary>
-                    </m:oMath>
-                  </m:oMathPara>
-                </a14:m>
-                <a:endParaRPr lang="en-US" sz="2000" b="1" dirty="0">
-                  <a:solidFill>
-                    <a:schemeClr val="bg1"/>
-                  </a:solidFill>
-                </a:endParaRPr>
-              </a:p>
-            </p:txBody>
-          </p:sp>
-        </mc:Choice>
-        <mc:Fallback xmlns="">
-          <p:sp>
-            <p:nvSpPr>
-              <p:cNvPr id="18" name="TextBox 17">
-                <a:extLst>
-                  <a:ext uri="{FF2B5EF4-FFF2-40B4-BE49-F238E27FC236}">
-                    <a16:creationId xmlns:a16="http://schemas.microsoft.com/office/drawing/2014/main" id="{8AF2DA2E-E5DA-424B-8F04-7942F0F39469}"/>
-                  </a:ext>
-                </a:extLst>
-              </p:cNvPr>
-              <p:cNvSpPr txBox="1">
-                <a:spLocks noRot="1" noChangeAspect="1" noMove="1" noResize="1" noEditPoints="1" noAdjustHandles="1" noChangeArrowheads="1" noChangeShapeType="1" noTextEdit="1"/>
-              </p:cNvSpPr>
-              <p:nvPr/>
-            </p:nvSpPr>
-            <p:spPr>
-              <a:xfrm>
-                <a:off x="1700031" y="2238135"/>
-                <a:ext cx="7214761" cy="931217"/>
-              </a:xfrm>
-              <a:prstGeom prst="rect">
-                <a:avLst/>
-              </a:prstGeom>
-              <a:blipFill>
-                <a:blip r:embed="rId4"/>
-                <a:stretch>
-                  <a:fillRect/>
-                </a:stretch>
-              </a:blipFill>
-            </p:spPr>
-            <p:txBody>
-              <a:bodyPr/>
-              <a:lstStyle/>
-              <a:p>
-                <a:r>
-                  <a:rPr lang="en-US">
-                    <a:noFill/>
-                  </a:rPr>
-                  <a:t> </a:t>
-                </a:r>
-              </a:p>
-            </p:txBody>
-          </p:sp>
-        </mc:Fallback>
-      </mc:AlternateContent>
     </p:spTree>
     <p:extLst>
       <p:ext uri="{BB962C8B-B14F-4D97-AF65-F5344CB8AC3E}">
-        <p14:creationId xmlns:p14="http://schemas.microsoft.com/office/powerpoint/2010/main" val="1565488324"/>
+        <p14:creationId xmlns:p14="http://schemas.microsoft.com/office/powerpoint/2010/main" val="1281959144"/>
       </p:ext>
     </p:extLst>
   </p:cSld>
@@ -9447,7 +8958,7 @@
         <p:spPr>
           <a:xfrm>
             <a:off x="3080083" y="1520792"/>
-            <a:ext cx="8853416" cy="5447645"/>
+            <a:ext cx="8853416" cy="4770537"/>
           </a:xfrm>
           <a:prstGeom prst="rect">
             <a:avLst/>
@@ -9518,6 +9029,33 @@
               <a:buFont typeface="Arial" panose="020B0604020202020204" pitchFamily="34" charset="0"/>
               <a:buChar char="•"/>
             </a:pPr>
+            <a:endParaRPr lang="en-US" sz="2000" dirty="0">
+              <a:solidFill>
+                <a:schemeClr val="bg1"/>
+              </a:solidFill>
+              <a:latin typeface="Selawik Semibold" panose="020B0702040204020203" pitchFamily="34" charset="0"/>
+            </a:endParaRPr>
+          </a:p>
+          <a:p>
+            <a:pPr marL="800100" lvl="1" indent="-342900">
+              <a:buFont typeface="Arial" panose="020B0604020202020204" pitchFamily="34" charset="0"/>
+              <a:buChar char="•"/>
+            </a:pPr>
+            <a:r>
+              <a:rPr lang="en-US" sz="2000" dirty="0">
+                <a:solidFill>
+                  <a:schemeClr val="bg1"/>
+                </a:solidFill>
+                <a:latin typeface="Selawik Semibold" panose="020B0702040204020203" pitchFamily="34" charset="0"/>
+              </a:rPr>
+              <a:t>C is usually around 3.1</a:t>
+            </a:r>
+          </a:p>
+          <a:p>
+            <a:pPr marL="800100" lvl="1" indent="-342900">
+              <a:buFont typeface="Arial" panose="020B0604020202020204" pitchFamily="34" charset="0"/>
+              <a:buChar char="•"/>
+            </a:pPr>
             <a:r>
               <a:rPr lang="en-US" sz="2000" dirty="0">
                 <a:solidFill>
@@ -9526,21 +9064,6 @@
                 <a:latin typeface="Selawik Semibold" panose="020B0702040204020203" pitchFamily="34" charset="0"/>
               </a:rPr>
               <a:t>Only DIPS Involved in Formula for DICE</a:t>
-            </a:r>
-          </a:p>
-          <a:p>
-            <a:pPr marL="800100" lvl="1" indent="-342900">
-              <a:buFont typeface="Arial" panose="020B0604020202020204" pitchFamily="34" charset="0"/>
-              <a:buChar char="•"/>
-            </a:pPr>
-            <a:r>
-              <a:rPr lang="en-US" sz="2000" dirty="0">
-                <a:solidFill>
-                  <a:schemeClr val="bg1"/>
-                </a:solidFill>
-                <a:latin typeface="Selawik Semibold" panose="020B0702040204020203" pitchFamily="34" charset="0"/>
-              </a:rPr>
-              <a:t>Forecast Model</a:t>
             </a:r>
           </a:p>
           <a:p>
@@ -9560,18 +9083,6 @@
               <a:buFont typeface="Arial" panose="020B0604020202020204" pitchFamily="34" charset="0"/>
               <a:buChar char="•"/>
             </a:pPr>
-            <a:endParaRPr lang="en-US" sz="2000" dirty="0">
-              <a:solidFill>
-                <a:schemeClr val="bg1"/>
-              </a:solidFill>
-              <a:latin typeface="Selawik Semibold" panose="020B0702040204020203" pitchFamily="34" charset="0"/>
-            </a:endParaRPr>
-          </a:p>
-          <a:p>
-            <a:pPr marL="800100" lvl="1" indent="-342900">
-              <a:buFont typeface="Arial" panose="020B0604020202020204" pitchFamily="34" charset="0"/>
-              <a:buChar char="•"/>
-            </a:pPr>
             <a:r>
               <a:rPr lang="en-US" sz="2000" dirty="0">
                 <a:solidFill>
@@ -9579,37 +9090,7 @@
                 </a:solidFill>
                 <a:latin typeface="Selawik Semibold" panose="020B0702040204020203" pitchFamily="34" charset="0"/>
               </a:rPr>
-              <a:t>Correlation is 0.44 Compared to 0.34 when Last Year’s ERA is Used</a:t>
-            </a:r>
-          </a:p>
-          <a:p>
-            <a:pPr marL="800100" lvl="1" indent="-342900">
-              <a:buFont typeface="Arial" panose="020B0604020202020204" pitchFamily="34" charset="0"/>
-              <a:buChar char="•"/>
-            </a:pPr>
-            <a:r>
-              <a:rPr lang="en-US" sz="2000" dirty="0">
-                <a:solidFill>
-                  <a:schemeClr val="bg1"/>
-                </a:solidFill>
-                <a:latin typeface="Selawik Semibold" panose="020B0702040204020203" pitchFamily="34" charset="0"/>
-              </a:rPr>
-              <a:t>MAD is 0.51 Compared to 0.68 when Last Year’s ERA is Used</a:t>
-            </a:r>
-          </a:p>
-          <a:p>
-            <a:pPr marL="800100" lvl="1" indent="-342900">
-              <a:buFont typeface="Arial" panose="020B0604020202020204" pitchFamily="34" charset="0"/>
-              <a:buChar char="•"/>
-            </a:pPr>
-            <a:r>
-              <a:rPr lang="en-US" sz="2000" dirty="0">
-                <a:solidFill>
-                  <a:schemeClr val="bg1"/>
-                </a:solidFill>
-                <a:latin typeface="Selawik Semibold" panose="020B0702040204020203" pitchFamily="34" charset="0"/>
-              </a:rPr>
-              <a:t>Conclusion: Previous DICE is a Better Predictor of ERA than Previous ERA</a:t>
+              <a:t>Forecast Model</a:t>
             </a:r>
           </a:p>
           <a:p>
@@ -9625,21 +9106,6 @@
             </a:endParaRPr>
           </a:p>
           <a:p>
-            <a:pPr marL="342900" indent="-342900">
-              <a:buFont typeface="Arial" panose="020B0604020202020204" pitchFamily="34" charset="0"/>
-              <a:buChar char="•"/>
-            </a:pPr>
-            <a:r>
-              <a:rPr lang="en-US" sz="2400" dirty="0">
-                <a:solidFill>
-                  <a:schemeClr val="bg1"/>
-                </a:solidFill>
-                <a:latin typeface="Selawik Semibold" panose="020B0702040204020203" pitchFamily="34" charset="0"/>
-              </a:rPr>
-              <a:t>Holy Grail of Mathletics = Forecasting Performance</a:t>
-            </a:r>
-          </a:p>
-          <a:p>
             <a:pPr marL="800100" lvl="1" indent="-342900">
               <a:buFont typeface="Arial" panose="020B0604020202020204" pitchFamily="34" charset="0"/>
               <a:buChar char="•"/>
@@ -9656,6 +9122,54 @@
               <a:buFont typeface="Arial" panose="020B0604020202020204" pitchFamily="34" charset="0"/>
               <a:buChar char="•"/>
             </a:pPr>
+            <a:r>
+              <a:rPr lang="en-US" sz="2000" dirty="0">
+                <a:solidFill>
+                  <a:schemeClr val="bg1"/>
+                </a:solidFill>
+                <a:latin typeface="Selawik Semibold" panose="020B0702040204020203" pitchFamily="34" charset="0"/>
+              </a:rPr>
+              <a:t>Correlation is 0.37 Compared to 0.34 when Last Year’s ERA is Used</a:t>
+            </a:r>
+          </a:p>
+          <a:p>
+            <a:pPr marL="800100" lvl="1" indent="-342900">
+              <a:buFont typeface="Arial" panose="020B0604020202020204" pitchFamily="34" charset="0"/>
+              <a:buChar char="•"/>
+            </a:pPr>
+            <a:r>
+              <a:rPr lang="en-US" sz="2000" dirty="0">
+                <a:solidFill>
+                  <a:schemeClr val="bg1"/>
+                </a:solidFill>
+                <a:latin typeface="Selawik Semibold" panose="020B0702040204020203" pitchFamily="34" charset="0"/>
+              </a:rPr>
+              <a:t>MAD is 0.64 Compared to 0.93 when Last Year’s ERA is Used</a:t>
+            </a:r>
+          </a:p>
+          <a:p>
+            <a:pPr marL="800100" lvl="1" indent="-342900">
+              <a:buFont typeface="Arial" panose="020B0604020202020204" pitchFamily="34" charset="0"/>
+              <a:buChar char="•"/>
+            </a:pPr>
+            <a:r>
+              <a:rPr lang="en-US" sz="2000" dirty="0">
+                <a:solidFill>
+                  <a:schemeClr val="bg1"/>
+                </a:solidFill>
+                <a:latin typeface="Selawik Semibold" panose="020B0702040204020203" pitchFamily="34" charset="0"/>
+              </a:rPr>
+              <a:t>Conclusion: Previous DICE is a Better Predictor of ERA than </a:t>
+            </a:r>
+            <a:r>
+              <a:rPr lang="en-US" sz="2000">
+                <a:solidFill>
+                  <a:schemeClr val="bg1"/>
+                </a:solidFill>
+                <a:latin typeface="Selawik Semibold" panose="020B0702040204020203" pitchFamily="34" charset="0"/>
+              </a:rPr>
+              <a:t>Previous ERA</a:t>
+            </a:r>
             <a:endParaRPr lang="en-US" sz="2000" dirty="0">
               <a:solidFill>
                 <a:schemeClr val="bg1"/>
@@ -9663,18 +9177,6 @@
               <a:latin typeface="Selawik Semibold" panose="020B0702040204020203" pitchFamily="34" charset="0"/>
             </a:endParaRPr>
           </a:p>
-          <a:p>
-            <a:pPr marL="800100" lvl="1" indent="-342900">
-              <a:buFont typeface="Arial" panose="020B0604020202020204" pitchFamily="34" charset="0"/>
-              <a:buChar char="•"/>
-            </a:pPr>
-            <a:endParaRPr lang="en-US" sz="2000" dirty="0">
-              <a:solidFill>
-                <a:schemeClr val="bg1"/>
-              </a:solidFill>
-              <a:latin typeface="Selawik Semibold" panose="020B0702040204020203" pitchFamily="34" charset="0"/>
-            </a:endParaRPr>
-          </a:p>
         </p:txBody>
       </p:sp>
       <p:sp>
@@ -9768,94 +9270,8 @@
           </a:p>
         </p:txBody>
       </p:sp>
-      <p:cxnSp>
-        <p:nvCxnSpPr>
-          <p:cNvPr id="4" name="Straight Connector 3">
-            <a:extLst>
-              <a:ext uri="{FF2B5EF4-FFF2-40B4-BE49-F238E27FC236}">
-                <a16:creationId xmlns:a16="http://schemas.microsoft.com/office/drawing/2014/main" id="{310D1ABB-B3A4-46A7-8D2D-68F3CD5AF18E}"/>
-              </a:ext>
-            </a:extLst>
-          </p:cNvPr>
-          <p:cNvCxnSpPr>
-            <a:cxnSpLocks/>
-          </p:cNvCxnSpPr>
-          <p:nvPr/>
-        </p:nvCxnSpPr>
-        <p:spPr>
-          <a:xfrm flipH="1">
-            <a:off x="9442177" y="1517374"/>
-            <a:ext cx="125895" cy="112644"/>
-          </a:xfrm>
-          <a:prstGeom prst="line">
-            <a:avLst/>
-          </a:prstGeom>
-          <a:ln w="19050">
-            <a:solidFill>
-              <a:schemeClr val="bg1"/>
-            </a:solidFill>
-          </a:ln>
-        </p:spPr>
-        <p:style>
-          <a:lnRef idx="1">
-            <a:schemeClr val="accent1"/>
-          </a:lnRef>
-          <a:fillRef idx="0">
-            <a:schemeClr val="accent1"/>
-          </a:fillRef>
-          <a:effectRef idx="0">
-            <a:schemeClr val="accent1"/>
-          </a:effectRef>
-          <a:fontRef idx="minor">
-            <a:schemeClr val="tx1"/>
-          </a:fontRef>
-        </p:style>
-      </p:cxnSp>
-      <p:cxnSp>
-        <p:nvCxnSpPr>
-          <p:cNvPr id="15" name="Straight Connector 14">
-            <a:extLst>
-              <a:ext uri="{FF2B5EF4-FFF2-40B4-BE49-F238E27FC236}">
-                <a16:creationId xmlns:a16="http://schemas.microsoft.com/office/drawing/2014/main" id="{BA5A0199-19CF-496B-B1FD-08CD04F01408}"/>
-              </a:ext>
-            </a:extLst>
-          </p:cNvPr>
-          <p:cNvCxnSpPr>
-            <a:cxnSpLocks/>
-          </p:cNvCxnSpPr>
-          <p:nvPr/>
-        </p:nvCxnSpPr>
-        <p:spPr>
-          <a:xfrm>
-            <a:off x="9547602" y="1514062"/>
-            <a:ext cx="125895" cy="112644"/>
-          </a:xfrm>
-          <a:prstGeom prst="line">
-            <a:avLst/>
-          </a:prstGeom>
-          <a:ln w="19050">
-            <a:solidFill>
-              <a:schemeClr val="bg1"/>
-            </a:solidFill>
-          </a:ln>
-        </p:spPr>
-        <p:style>
-          <a:lnRef idx="1">
-            <a:schemeClr val="accent1"/>
-          </a:lnRef>
-          <a:fillRef idx="0">
-            <a:schemeClr val="accent1"/>
-          </a:fillRef>
-          <a:effectRef idx="0">
-            <a:schemeClr val="accent1"/>
-          </a:effectRef>
-          <a:fontRef idx="minor">
-            <a:schemeClr val="tx1"/>
-          </a:fontRef>
-        </p:style>
-      </p:cxnSp>
-      <mc:AlternateContent xmlns:mc="http://schemas.openxmlformats.org/markup-compatibility/2006" xmlns:a14="http://schemas.microsoft.com/office/drawing/2010/main">
-        <mc:Choice Requires="a14">
+      <mc:AlternateContent xmlns:mc="http://schemas.openxmlformats.org/markup-compatibility/2006">
+        <mc:Choice xmlns:a14="http://schemas.microsoft.com/office/drawing/2010/main" Requires="a14">
           <p:sp>
             <p:nvSpPr>
               <p:cNvPr id="14" name="TextBox 13">
@@ -9870,7 +9286,7 @@
             </p:nvSpPr>
             <p:spPr>
               <a:xfrm>
-                <a:off x="2850268" y="2133780"/>
+                <a:off x="2850268" y="2248338"/>
                 <a:ext cx="7214761" cy="695062"/>
               </a:xfrm>
               <a:prstGeom prst="rect">
@@ -9916,7 +9332,7 @@
                           </a:solidFill>
                           <a:latin typeface="Cambria Math" panose="02040503050406030204" pitchFamily="18" charset="0"/>
                         </a:rPr>
-                        <m:t>𝟑</m:t>
+                        <m:t>𝑪</m:t>
                       </m:r>
                       <m:r>
                         <a:rPr lang="en-US" sz="2000" b="1" i="1" smtClean="0">
@@ -10077,7 +9493,7 @@
             </p:txBody>
           </p:sp>
         </mc:Choice>
-        <mc:Fallback xmlns="">
+        <mc:Fallback>
           <p:sp>
             <p:nvSpPr>
               <p:cNvPr id="14" name="TextBox 13">
@@ -10094,7 +9510,7 @@
             </p:nvSpPr>
             <p:spPr>
               <a:xfrm>
-                <a:off x="2850268" y="2133780"/>
+                <a:off x="2850268" y="2248338"/>
                 <a:ext cx="7214761" cy="695062"/>
               </a:xfrm>
               <a:prstGeom prst="rect">
@@ -10122,285 +9538,392 @@
           </p:sp>
         </mc:Fallback>
       </mc:AlternateContent>
-      <mc:AlternateContent xmlns:mc="http://schemas.openxmlformats.org/markup-compatibility/2006" xmlns:a14="http://schemas.microsoft.com/office/drawing/2010/main">
-        <mc:Choice Requires="a14">
-          <p:sp>
-            <p:nvSpPr>
-              <p:cNvPr id="19" name="TextBox 18">
-                <a:extLst>
-                  <a:ext uri="{FF2B5EF4-FFF2-40B4-BE49-F238E27FC236}">
-                    <a16:creationId xmlns:a16="http://schemas.microsoft.com/office/drawing/2014/main" id="{CBE78133-4E7B-485C-834C-EFF76137BCE7}"/>
-                  </a:ext>
-                </a:extLst>
-              </p:cNvPr>
-              <p:cNvSpPr txBox="1"/>
-              <p:nvPr/>
-            </p:nvSpPr>
-            <p:spPr>
-              <a:xfrm>
-                <a:off x="2290363" y="3509898"/>
-                <a:ext cx="7214761" cy="400110"/>
-              </a:xfrm>
-              <a:prstGeom prst="rect">
-                <a:avLst/>
-              </a:prstGeom>
-              <a:noFill/>
-            </p:spPr>
-            <p:txBody>
-              <a:bodyPr wrap="square" rtlCol="0">
-                <a:spAutoFit/>
-              </a:bodyPr>
-              <a:lstStyle/>
-              <a:p>
-                <a:pPr/>
-                <a14:m>
-                  <m:oMathPara xmlns:m="http://schemas.openxmlformats.org/officeDocument/2006/math">
-                    <m:oMathParaPr>
-                      <m:jc m:val="centerGroup"/>
-                    </m:oMathParaPr>
-                    <m:oMath xmlns:m="http://schemas.openxmlformats.org/officeDocument/2006/math">
-                      <m:r>
-                        <a:rPr lang="en-US" sz="2000" b="1" i="1" smtClean="0">
-                          <a:solidFill>
-                            <a:schemeClr val="bg1"/>
-                          </a:solidFill>
-                          <a:latin typeface="Cambria Math" panose="02040503050406030204" pitchFamily="18" charset="0"/>
-                        </a:rPr>
-                        <m:t>𝑬𝑹</m:t>
-                      </m:r>
-                      <m:sSub>
-                        <m:sSubPr>
-                          <m:ctrlPr>
-                            <a:rPr lang="en-US" sz="2000" b="1" i="1" smtClean="0">
-                              <a:solidFill>
-                                <a:schemeClr val="bg1"/>
-                              </a:solidFill>
-                              <a:latin typeface="Cambria Math" panose="02040503050406030204" pitchFamily="18" charset="0"/>
-                            </a:rPr>
-                          </m:ctrlPr>
-                        </m:sSubPr>
-                        <m:e>
-                          <m:r>
-                            <a:rPr lang="en-US" sz="2000" b="1" i="1" smtClean="0">
-                              <a:solidFill>
-                                <a:schemeClr val="bg1"/>
-                              </a:solidFill>
-                              <a:latin typeface="Cambria Math" panose="02040503050406030204" pitchFamily="18" charset="0"/>
-                            </a:rPr>
-                            <m:t>𝑨</m:t>
-                          </m:r>
-                        </m:e>
-                        <m:sub>
-                          <m:r>
-                            <a:rPr lang="en-US" sz="2000" b="1" i="1" smtClean="0">
-                              <a:solidFill>
-                                <a:schemeClr val="bg1"/>
-                              </a:solidFill>
-                              <a:latin typeface="Cambria Math" panose="02040503050406030204" pitchFamily="18" charset="0"/>
-                            </a:rPr>
-                            <m:t>𝒕</m:t>
-                          </m:r>
-                        </m:sub>
-                      </m:sSub>
-                      <m:r>
-                        <a:rPr lang="en-US" sz="2000" b="1" i="1" smtClean="0">
-                          <a:solidFill>
-                            <a:schemeClr val="bg1"/>
-                          </a:solidFill>
-                          <a:latin typeface="Cambria Math" panose="02040503050406030204" pitchFamily="18" charset="0"/>
-                        </a:rPr>
-                        <m:t>=</m:t>
-                      </m:r>
-                      <m:r>
-                        <a:rPr lang="en-US" sz="2000" b="1" i="1" smtClean="0">
-                          <a:solidFill>
-                            <a:schemeClr val="bg1"/>
-                          </a:solidFill>
-                          <a:latin typeface="Cambria Math" panose="02040503050406030204" pitchFamily="18" charset="0"/>
-                        </a:rPr>
-                        <m:t>𝟏</m:t>
-                      </m:r>
-                      <m:r>
-                        <a:rPr lang="en-US" sz="2000" b="1" i="1" smtClean="0">
-                          <a:solidFill>
-                            <a:schemeClr val="bg1"/>
-                          </a:solidFill>
-                          <a:latin typeface="Cambria Math" panose="02040503050406030204" pitchFamily="18" charset="0"/>
-                        </a:rPr>
-                        <m:t>.</m:t>
-                      </m:r>
-                      <m:r>
-                        <a:rPr lang="en-US" sz="2000" b="1" i="1" smtClean="0">
-                          <a:solidFill>
-                            <a:schemeClr val="bg1"/>
-                          </a:solidFill>
-                          <a:latin typeface="Cambria Math" panose="02040503050406030204" pitchFamily="18" charset="0"/>
-                        </a:rPr>
-                        <m:t>𝟗𝟕𝟓</m:t>
-                      </m:r>
-                      <m:r>
-                        <a:rPr lang="en-US" sz="2000" b="1" i="1" smtClean="0">
-                          <a:solidFill>
-                            <a:schemeClr val="bg1"/>
-                          </a:solidFill>
-                          <a:latin typeface="Cambria Math" panose="02040503050406030204" pitchFamily="18" charset="0"/>
-                        </a:rPr>
-                        <m:t>+</m:t>
-                      </m:r>
-                      <m:r>
-                        <a:rPr lang="en-US" sz="2000" b="1" i="1" smtClean="0">
-                          <a:solidFill>
-                            <a:schemeClr val="bg1"/>
-                          </a:solidFill>
-                          <a:latin typeface="Cambria Math" panose="02040503050406030204" pitchFamily="18" charset="0"/>
-                        </a:rPr>
-                        <m:t>𝟎</m:t>
-                      </m:r>
-                      <m:r>
-                        <a:rPr lang="en-US" sz="2000" b="1" i="1" smtClean="0">
-                          <a:solidFill>
-                            <a:schemeClr val="bg1"/>
-                          </a:solidFill>
-                          <a:latin typeface="Cambria Math" panose="02040503050406030204" pitchFamily="18" charset="0"/>
-                        </a:rPr>
-                        <m:t>.</m:t>
-                      </m:r>
-                      <m:r>
-                        <a:rPr lang="en-US" sz="2000" b="1" i="1" smtClean="0">
-                          <a:solidFill>
-                            <a:schemeClr val="bg1"/>
-                          </a:solidFill>
-                          <a:latin typeface="Cambria Math" panose="02040503050406030204" pitchFamily="18" charset="0"/>
-                        </a:rPr>
-                        <m:t>𝟓𝟔</m:t>
-                      </m:r>
-                      <m:r>
-                        <a:rPr lang="en-US" sz="2000" b="1" i="1" smtClean="0">
-                          <a:solidFill>
-                            <a:schemeClr val="bg1"/>
-                          </a:solidFill>
-                          <a:latin typeface="Cambria Math" panose="02040503050406030204" pitchFamily="18" charset="0"/>
-                        </a:rPr>
-                        <m:t>×</m:t>
-                      </m:r>
-                      <m:r>
-                        <a:rPr lang="en-US" sz="2000" b="1" i="1" smtClean="0">
-                          <a:solidFill>
-                            <a:schemeClr val="bg1"/>
-                          </a:solidFill>
-                          <a:latin typeface="Cambria Math" panose="02040503050406030204" pitchFamily="18" charset="0"/>
-                        </a:rPr>
-                        <m:t>𝑫𝑰𝑪</m:t>
-                      </m:r>
-                      <m:sSub>
-                        <m:sSubPr>
-                          <m:ctrlPr>
-                            <a:rPr lang="en-US" sz="2000" b="1" i="1" smtClean="0">
-                              <a:solidFill>
-                                <a:schemeClr val="bg1"/>
-                              </a:solidFill>
-                              <a:latin typeface="Cambria Math" panose="02040503050406030204" pitchFamily="18" charset="0"/>
-                            </a:rPr>
-                          </m:ctrlPr>
-                        </m:sSubPr>
-                        <m:e>
-                          <m:r>
-                            <a:rPr lang="en-US" sz="2000" b="1" i="1" smtClean="0">
-                              <a:solidFill>
-                                <a:schemeClr val="bg1"/>
-                              </a:solidFill>
-                              <a:latin typeface="Cambria Math" panose="02040503050406030204" pitchFamily="18" charset="0"/>
-                            </a:rPr>
-                            <m:t>𝑬</m:t>
-                          </m:r>
-                        </m:e>
-                        <m:sub>
-                          <m:r>
-                            <a:rPr lang="en-US" sz="2000" b="1" i="1" smtClean="0">
-                              <a:solidFill>
-                                <a:schemeClr val="bg1"/>
-                              </a:solidFill>
-                              <a:latin typeface="Cambria Math" panose="02040503050406030204" pitchFamily="18" charset="0"/>
-                            </a:rPr>
-                            <m:t>𝒕</m:t>
-                          </m:r>
-                          <m:r>
-                            <a:rPr lang="en-US" sz="2000" b="1" i="1" smtClean="0">
-                              <a:solidFill>
-                                <a:schemeClr val="bg1"/>
-                              </a:solidFill>
-                              <a:latin typeface="Cambria Math" panose="02040503050406030204" pitchFamily="18" charset="0"/>
-                            </a:rPr>
-                            <m:t>−</m:t>
-                          </m:r>
-                          <m:r>
-                            <a:rPr lang="en-US" sz="2000" b="1" i="1" smtClean="0">
-                              <a:solidFill>
-                                <a:schemeClr val="bg1"/>
-                              </a:solidFill>
-                              <a:latin typeface="Cambria Math" panose="02040503050406030204" pitchFamily="18" charset="0"/>
-                            </a:rPr>
-                            <m:t>𝟏</m:t>
-                          </m:r>
-                        </m:sub>
-                      </m:sSub>
-                    </m:oMath>
-                  </m:oMathPara>
-                </a14:m>
-                <a:endParaRPr lang="en-US" sz="2000" b="1" dirty="0">
-                  <a:solidFill>
-                    <a:schemeClr val="bg1"/>
-                  </a:solidFill>
-                </a:endParaRPr>
-              </a:p>
-            </p:txBody>
-          </p:sp>
-        </mc:Choice>
-        <mc:Fallback xmlns="">
-          <p:sp>
-            <p:nvSpPr>
-              <p:cNvPr id="19" name="TextBox 18">
-                <a:extLst>
-                  <a:ext uri="{FF2B5EF4-FFF2-40B4-BE49-F238E27FC236}">
-                    <a16:creationId xmlns:a16="http://schemas.microsoft.com/office/drawing/2014/main" id="{CBE78133-4E7B-485C-834C-EFF76137BCE7}"/>
-                  </a:ext>
-                </a:extLst>
-              </p:cNvPr>
-              <p:cNvSpPr txBox="1">
-                <a:spLocks noRot="1" noChangeAspect="1" noMove="1" noResize="1" noEditPoints="1" noAdjustHandles="1" noChangeArrowheads="1" noChangeShapeType="1" noTextEdit="1"/>
-              </p:cNvSpPr>
-              <p:nvPr/>
-            </p:nvSpPr>
-            <p:spPr>
-              <a:xfrm>
-                <a:off x="2290363" y="3509898"/>
-                <a:ext cx="7214761" cy="400110"/>
-              </a:xfrm>
-              <a:prstGeom prst="rect">
-                <a:avLst/>
-              </a:prstGeom>
-              <a:blipFill>
-                <a:blip r:embed="rId5"/>
-                <a:stretch>
-                  <a:fillRect b="-1538"/>
-                </a:stretch>
-              </a:blipFill>
-            </p:spPr>
-            <p:txBody>
-              <a:bodyPr/>
-              <a:lstStyle/>
-              <a:p>
-                <a:r>
-                  <a:rPr lang="en-US">
-                    <a:noFill/>
-                  </a:rPr>
-                  <a:t> </a:t>
-                </a:r>
-              </a:p>
-            </p:txBody>
-          </p:sp>
-        </mc:Fallback>
-      </mc:AlternateContent>
+      <p:grpSp>
+        <p:nvGrpSpPr>
+          <p:cNvPr id="2" name="Group 1">
+            <a:extLst>
+              <a:ext uri="{FF2B5EF4-FFF2-40B4-BE49-F238E27FC236}">
+                <a16:creationId xmlns:a16="http://schemas.microsoft.com/office/drawing/2014/main" id="{F51A76DB-13CD-6CE1-7CF6-7AE66E04A9AC}"/>
+              </a:ext>
+            </a:extLst>
+          </p:cNvPr>
+          <p:cNvGrpSpPr/>
+          <p:nvPr/>
+        </p:nvGrpSpPr>
+        <p:grpSpPr>
+          <a:xfrm>
+            <a:off x="2251661" y="4456926"/>
+            <a:ext cx="7214761" cy="459744"/>
+            <a:chOff x="2293225" y="3850768"/>
+            <a:chExt cx="7214761" cy="459744"/>
+          </a:xfrm>
+        </p:grpSpPr>
+        <p:cxnSp>
+          <p:nvCxnSpPr>
+            <p:cNvPr id="4" name="Straight Connector 3">
+              <a:extLst>
+                <a:ext uri="{FF2B5EF4-FFF2-40B4-BE49-F238E27FC236}">
+                  <a16:creationId xmlns:a16="http://schemas.microsoft.com/office/drawing/2014/main" id="{310D1ABB-B3A4-46A7-8D2D-68F3CD5AF18E}"/>
+                </a:ext>
+              </a:extLst>
+            </p:cNvPr>
+            <p:cNvCxnSpPr>
+              <a:cxnSpLocks/>
+            </p:cNvCxnSpPr>
+            <p:nvPr/>
+          </p:nvCxnSpPr>
+          <p:spPr>
+            <a:xfrm flipH="1">
+              <a:off x="4149740" y="3854080"/>
+              <a:ext cx="125895" cy="112644"/>
+            </a:xfrm>
+            <a:prstGeom prst="line">
+              <a:avLst/>
+            </a:prstGeom>
+            <a:ln w="19050">
+              <a:solidFill>
+                <a:schemeClr val="bg1"/>
+              </a:solidFill>
+            </a:ln>
+          </p:spPr>
+          <p:style>
+            <a:lnRef idx="1">
+              <a:schemeClr val="accent1"/>
+            </a:lnRef>
+            <a:fillRef idx="0">
+              <a:schemeClr val="accent1"/>
+            </a:fillRef>
+            <a:effectRef idx="0">
+              <a:schemeClr val="accent1"/>
+            </a:effectRef>
+            <a:fontRef idx="minor">
+              <a:schemeClr val="tx1"/>
+            </a:fontRef>
+          </p:style>
+        </p:cxnSp>
+        <p:cxnSp>
+          <p:nvCxnSpPr>
+            <p:cNvPr id="15" name="Straight Connector 14">
+              <a:extLst>
+                <a:ext uri="{FF2B5EF4-FFF2-40B4-BE49-F238E27FC236}">
+                  <a16:creationId xmlns:a16="http://schemas.microsoft.com/office/drawing/2014/main" id="{BA5A0199-19CF-496B-B1FD-08CD04F01408}"/>
+                </a:ext>
+              </a:extLst>
+            </p:cNvPr>
+            <p:cNvCxnSpPr>
+              <a:cxnSpLocks/>
+            </p:cNvCxnSpPr>
+            <p:nvPr/>
+          </p:nvCxnSpPr>
+          <p:spPr>
+            <a:xfrm>
+              <a:off x="4255165" y="3850768"/>
+              <a:ext cx="125895" cy="112644"/>
+            </a:xfrm>
+            <a:prstGeom prst="line">
+              <a:avLst/>
+            </a:prstGeom>
+            <a:ln w="19050">
+              <a:solidFill>
+                <a:schemeClr val="bg1"/>
+              </a:solidFill>
+            </a:ln>
+          </p:spPr>
+          <p:style>
+            <a:lnRef idx="1">
+              <a:schemeClr val="accent1"/>
+            </a:lnRef>
+            <a:fillRef idx="0">
+              <a:schemeClr val="accent1"/>
+            </a:fillRef>
+            <a:effectRef idx="0">
+              <a:schemeClr val="accent1"/>
+            </a:effectRef>
+            <a:fontRef idx="minor">
+              <a:schemeClr val="tx1"/>
+            </a:fontRef>
+          </p:style>
+        </p:cxnSp>
+        <mc:AlternateContent xmlns:mc="http://schemas.openxmlformats.org/markup-compatibility/2006">
+          <mc:Choice xmlns:a14="http://schemas.microsoft.com/office/drawing/2010/main" Requires="a14">
+            <p:sp>
+              <p:nvSpPr>
+                <p:cNvPr id="19" name="TextBox 18">
+                  <a:extLst>
+                    <a:ext uri="{FF2B5EF4-FFF2-40B4-BE49-F238E27FC236}">
+                      <a16:creationId xmlns:a16="http://schemas.microsoft.com/office/drawing/2014/main" id="{CBE78133-4E7B-485C-834C-EFF76137BCE7}"/>
+                    </a:ext>
+                  </a:extLst>
+                </p:cNvPr>
+                <p:cNvSpPr txBox="1"/>
+                <p:nvPr/>
+              </p:nvSpPr>
+              <p:spPr>
+                <a:xfrm>
+                  <a:off x="2293225" y="3910402"/>
+                  <a:ext cx="7214761" cy="400110"/>
+                </a:xfrm>
+                <a:prstGeom prst="rect">
+                  <a:avLst/>
+                </a:prstGeom>
+                <a:noFill/>
+              </p:spPr>
+              <p:txBody>
+                <a:bodyPr wrap="square" rtlCol="0">
+                  <a:spAutoFit/>
+                </a:bodyPr>
+                <a:lstStyle/>
+                <a:p>
+                  <a:pPr/>
+                  <a14:m>
+                    <m:oMathPara xmlns:m="http://schemas.openxmlformats.org/officeDocument/2006/math">
+                      <m:oMathParaPr>
+                        <m:jc m:val="centerGroup"/>
+                      </m:oMathParaPr>
+                      <m:oMath xmlns:m="http://schemas.openxmlformats.org/officeDocument/2006/math">
+                        <m:r>
+                          <a:rPr lang="en-US" sz="2000" b="1" i="1" smtClean="0">
+                            <a:solidFill>
+                              <a:schemeClr val="bg1"/>
+                            </a:solidFill>
+                            <a:latin typeface="Cambria Math" panose="02040503050406030204" pitchFamily="18" charset="0"/>
+                          </a:rPr>
+                          <m:t>𝑬𝑹</m:t>
+                        </m:r>
+                        <m:sSub>
+                          <m:sSubPr>
+                            <m:ctrlPr>
+                              <a:rPr lang="en-US" sz="2000" b="1" i="1" smtClean="0">
+                                <a:solidFill>
+                                  <a:schemeClr val="bg1"/>
+                                </a:solidFill>
+                                <a:latin typeface="Cambria Math" panose="02040503050406030204" pitchFamily="18" charset="0"/>
+                              </a:rPr>
+                            </m:ctrlPr>
+                          </m:sSubPr>
+                          <m:e>
+                            <m:r>
+                              <a:rPr lang="en-US" sz="2000" b="1" i="1" smtClean="0">
+                                <a:solidFill>
+                                  <a:schemeClr val="bg1"/>
+                                </a:solidFill>
+                                <a:latin typeface="Cambria Math" panose="02040503050406030204" pitchFamily="18" charset="0"/>
+                              </a:rPr>
+                              <m:t>𝑨</m:t>
+                            </m:r>
+                          </m:e>
+                          <m:sub>
+                            <m:r>
+                              <a:rPr lang="en-US" sz="2000" b="1" i="1" smtClean="0">
+                                <a:solidFill>
+                                  <a:schemeClr val="bg1"/>
+                                </a:solidFill>
+                                <a:latin typeface="Cambria Math" panose="02040503050406030204" pitchFamily="18" charset="0"/>
+                              </a:rPr>
+                              <m:t>𝒕</m:t>
+                            </m:r>
+                          </m:sub>
+                        </m:sSub>
+                        <m:r>
+                          <a:rPr lang="en-US" sz="2000" b="1" i="1" smtClean="0">
+                            <a:solidFill>
+                              <a:schemeClr val="bg1"/>
+                            </a:solidFill>
+                            <a:latin typeface="Cambria Math" panose="02040503050406030204" pitchFamily="18" charset="0"/>
+                          </a:rPr>
+                          <m:t>=</m:t>
+                        </m:r>
+                        <m:r>
+                          <a:rPr lang="en-US" sz="2000" b="1" i="1" smtClean="0">
+                            <a:solidFill>
+                              <a:schemeClr val="bg1"/>
+                            </a:solidFill>
+                            <a:latin typeface="Cambria Math" panose="02040503050406030204" pitchFamily="18" charset="0"/>
+                          </a:rPr>
+                          <m:t>𝟐</m:t>
+                        </m:r>
+                        <m:r>
+                          <a:rPr lang="en-US" sz="2000" b="1" i="1" smtClean="0">
+                            <a:solidFill>
+                              <a:schemeClr val="bg1"/>
+                            </a:solidFill>
+                            <a:latin typeface="Cambria Math" panose="02040503050406030204" pitchFamily="18" charset="0"/>
+                          </a:rPr>
+                          <m:t>.</m:t>
+                        </m:r>
+                        <m:r>
+                          <a:rPr lang="en-US" sz="2000" b="1" i="1" smtClean="0">
+                            <a:solidFill>
+                              <a:schemeClr val="bg1"/>
+                            </a:solidFill>
+                            <a:latin typeface="Cambria Math" panose="02040503050406030204" pitchFamily="18" charset="0"/>
+                          </a:rPr>
+                          <m:t>𝟒𝟒</m:t>
+                        </m:r>
+                        <m:r>
+                          <a:rPr lang="en-US" sz="2000" b="1" i="1" smtClean="0">
+                            <a:solidFill>
+                              <a:schemeClr val="bg1"/>
+                            </a:solidFill>
+                            <a:latin typeface="Cambria Math" panose="02040503050406030204" pitchFamily="18" charset="0"/>
+                          </a:rPr>
+                          <m:t>+</m:t>
+                        </m:r>
+                        <m:r>
+                          <a:rPr lang="en-US" sz="2000" b="1" i="1" smtClean="0">
+                            <a:solidFill>
+                              <a:schemeClr val="bg1"/>
+                            </a:solidFill>
+                            <a:latin typeface="Cambria Math" panose="02040503050406030204" pitchFamily="18" charset="0"/>
+                          </a:rPr>
+                          <m:t>𝟎</m:t>
+                        </m:r>
+                        <m:r>
+                          <a:rPr lang="en-US" sz="2000" b="1" i="1" smtClean="0">
+                            <a:solidFill>
+                              <a:schemeClr val="bg1"/>
+                            </a:solidFill>
+                            <a:latin typeface="Cambria Math" panose="02040503050406030204" pitchFamily="18" charset="0"/>
+                          </a:rPr>
+                          <m:t>.</m:t>
+                        </m:r>
+                        <m:r>
+                          <a:rPr lang="en-US" sz="2000" b="1" i="1" smtClean="0">
+                            <a:solidFill>
+                              <a:schemeClr val="bg1"/>
+                            </a:solidFill>
+                            <a:latin typeface="Cambria Math" panose="02040503050406030204" pitchFamily="18" charset="0"/>
+                          </a:rPr>
+                          <m:t>𝟒𝟒</m:t>
+                        </m:r>
+                        <m:r>
+                          <a:rPr lang="en-US" sz="2000" b="1" i="1" smtClean="0">
+                            <a:solidFill>
+                              <a:schemeClr val="bg1"/>
+                            </a:solidFill>
+                            <a:latin typeface="Cambria Math" panose="02040503050406030204" pitchFamily="18" charset="0"/>
+                          </a:rPr>
+                          <m:t>×</m:t>
+                        </m:r>
+                        <m:r>
+                          <a:rPr lang="en-US" sz="2000" b="1" i="1" smtClean="0">
+                            <a:solidFill>
+                              <a:schemeClr val="bg1"/>
+                            </a:solidFill>
+                            <a:latin typeface="Cambria Math" panose="02040503050406030204" pitchFamily="18" charset="0"/>
+                          </a:rPr>
+                          <m:t>𝑫𝑰𝑪</m:t>
+                        </m:r>
+                        <m:sSub>
+                          <m:sSubPr>
+                            <m:ctrlPr>
+                              <a:rPr lang="en-US" sz="2000" b="1" i="1" smtClean="0">
+                                <a:solidFill>
+                                  <a:schemeClr val="bg1"/>
+                                </a:solidFill>
+                                <a:latin typeface="Cambria Math" panose="02040503050406030204" pitchFamily="18" charset="0"/>
+                              </a:rPr>
+                            </m:ctrlPr>
+                          </m:sSubPr>
+                          <m:e>
+                            <m:r>
+                              <a:rPr lang="en-US" sz="2000" b="1" i="1" smtClean="0">
+                                <a:solidFill>
+                                  <a:schemeClr val="bg1"/>
+                                </a:solidFill>
+                                <a:latin typeface="Cambria Math" panose="02040503050406030204" pitchFamily="18" charset="0"/>
+                              </a:rPr>
+                              <m:t>𝑬</m:t>
+                            </m:r>
+                          </m:e>
+                          <m:sub>
+                            <m:r>
+                              <a:rPr lang="en-US" sz="2000" b="1" i="1" smtClean="0">
+                                <a:solidFill>
+                                  <a:schemeClr val="bg1"/>
+                                </a:solidFill>
+                                <a:latin typeface="Cambria Math" panose="02040503050406030204" pitchFamily="18" charset="0"/>
+                              </a:rPr>
+                              <m:t>𝒕</m:t>
+                            </m:r>
+                            <m:r>
+                              <a:rPr lang="en-US" sz="2000" b="1" i="1" smtClean="0">
+                                <a:solidFill>
+                                  <a:schemeClr val="bg1"/>
+                                </a:solidFill>
+                                <a:latin typeface="Cambria Math" panose="02040503050406030204" pitchFamily="18" charset="0"/>
+                              </a:rPr>
+                              <m:t>−</m:t>
+                            </m:r>
+                            <m:r>
+                              <a:rPr lang="en-US" sz="2000" b="1" i="1" smtClean="0">
+                                <a:solidFill>
+                                  <a:schemeClr val="bg1"/>
+                                </a:solidFill>
+                                <a:latin typeface="Cambria Math" panose="02040503050406030204" pitchFamily="18" charset="0"/>
+                              </a:rPr>
+                              <m:t>𝟏</m:t>
+                            </m:r>
+                          </m:sub>
+                        </m:sSub>
+                      </m:oMath>
+                    </m:oMathPara>
+                  </a14:m>
+                  <a:endParaRPr lang="en-US" sz="2000" b="1" dirty="0">
+                    <a:solidFill>
+                      <a:schemeClr val="bg1"/>
+                    </a:solidFill>
+                  </a:endParaRPr>
+                </a:p>
+              </p:txBody>
+            </p:sp>
+          </mc:Choice>
+          <mc:Fallback>
+            <p:sp>
+              <p:nvSpPr>
+                <p:cNvPr id="19" name="TextBox 18">
+                  <a:extLst>
+                    <a:ext uri="{FF2B5EF4-FFF2-40B4-BE49-F238E27FC236}">
+                      <a16:creationId xmlns:a16="http://schemas.microsoft.com/office/drawing/2014/main" id="{CBE78133-4E7B-485C-834C-EFF76137BCE7}"/>
+                    </a:ext>
+                  </a:extLst>
+                </p:cNvPr>
+                <p:cNvSpPr txBox="1">
+                  <a:spLocks noRot="1" noChangeAspect="1" noMove="1" noResize="1" noEditPoints="1" noAdjustHandles="1" noChangeArrowheads="1" noChangeShapeType="1" noTextEdit="1"/>
+                </p:cNvSpPr>
+                <p:nvPr/>
+              </p:nvSpPr>
+              <p:spPr>
+                <a:xfrm>
+                  <a:off x="2293225" y="3910402"/>
+                  <a:ext cx="7214761" cy="400110"/>
+                </a:xfrm>
+                <a:prstGeom prst="rect">
+                  <a:avLst/>
+                </a:prstGeom>
+                <a:blipFill>
+                  <a:blip r:embed="rId5"/>
+                  <a:stretch>
+                    <a:fillRect/>
+                  </a:stretch>
+                </a:blipFill>
+              </p:spPr>
+              <p:txBody>
+                <a:bodyPr/>
+                <a:lstStyle/>
+                <a:p>
+                  <a:r>
+                    <a:rPr lang="en-US">
+                      <a:noFill/>
+                    </a:rPr>
+                    <a:t> </a:t>
+                  </a:r>
+                </a:p>
+              </p:txBody>
+            </p:sp>
+          </mc:Fallback>
+        </mc:AlternateContent>
+      </p:grpSp>
     </p:spTree>
     <p:extLst>
       <p:ext uri="{BB962C8B-B14F-4D97-AF65-F5344CB8AC3E}">
@@ -11798,7 +11321,7 @@
         <p:spPr>
           <a:xfrm>
             <a:off x="3080082" y="1520792"/>
-            <a:ext cx="8522109" cy="4893647"/>
+            <a:ext cx="8522109" cy="5632311"/>
           </a:xfrm>
           <a:prstGeom prst="rect">
             <a:avLst/>
@@ -11909,7 +11432,37 @@
                 </a:solidFill>
                 <a:latin typeface="Selawik Semibold" panose="020B0702040204020203" pitchFamily="34" charset="0"/>
               </a:rPr>
-              <a:t>Problem: Player Hits HR 50% of Time = 54 RC/G</a:t>
+              <a:t>Problem: Player Hits HR 50% of Time</a:t>
+            </a:r>
+          </a:p>
+          <a:p>
+            <a:pPr marL="800100" lvl="1" indent="-342900">
+              <a:buFont typeface="Arial" panose="020B0604020202020204" pitchFamily="34" charset="0"/>
+              <a:buChar char="•"/>
+            </a:pPr>
+            <a:r>
+              <a:rPr lang="en-US" sz="2400" dirty="0">
+                <a:solidFill>
+                  <a:schemeClr val="bg1"/>
+                </a:solidFill>
+                <a:latin typeface="Selawik Semibold" panose="020B0702040204020203" pitchFamily="34" charset="0"/>
+              </a:rPr>
+              <a:t>54 RC/G Estimated by Formula (Bill James)</a:t>
+            </a:r>
+          </a:p>
+          <a:p>
+            <a:pPr marL="800100" lvl="1" indent="-342900">
+              <a:buFont typeface="Arial" panose="020B0604020202020204" pitchFamily="34" charset="0"/>
+              <a:buChar char="•"/>
+            </a:pPr>
+            <a:r>
+              <a:rPr lang="en-US" sz="2400" dirty="0">
+                <a:solidFill>
+                  <a:schemeClr val="bg1"/>
+                </a:solidFill>
+                <a:latin typeface="Selawik Semibold" panose="020B0702040204020203" pitchFamily="34" charset="0"/>
+              </a:rPr>
+              <a:t>36.8 RC/G Estimated by Linear Weights</a:t>
             </a:r>
           </a:p>
           <a:p>
@@ -14134,7 +13687,7 @@
         </p:nvSpPr>
         <p:spPr>
           <a:xfrm>
-            <a:off x="3080083" y="1520792"/>
+            <a:off x="3041567" y="1534647"/>
             <a:ext cx="6427904" cy="4247317"/>
           </a:xfrm>
           <a:prstGeom prst="rect">
@@ -14168,7 +13721,7 @@
                 </a:solidFill>
                 <a:latin typeface="Selawik Semibold" panose="020B0702040204020203" pitchFamily="34" charset="0"/>
               </a:rPr>
-              <a:t>Ichiros</a:t>
+              <a:t>Trouts</a:t>
             </a:r>
             <a:endParaRPr lang="en-US" sz="2400" dirty="0">
               <a:solidFill>
@@ -14871,7 +14424,7 @@
                 </a:solidFill>
                 <a:latin typeface="Selawik Semibold" panose="020B0702040204020203" pitchFamily="34" charset="0"/>
               </a:rPr>
-              <a:t>Ichiros</a:t>
+              <a:t>Trouts</a:t>
             </a:r>
             <a:endParaRPr lang="en-US" sz="2400" dirty="0">
               <a:solidFill>
@@ -14892,7 +14445,7 @@
                 </a:solidFill>
                 <a:latin typeface="Selawik Semibold" panose="020B0702040204020203" pitchFamily="34" charset="0"/>
               </a:rPr>
-              <a:t>Probabilities Based on Ichiro 2004 Statistics</a:t>
+              <a:t>Probabilities Based on Trout 2016 Statistics</a:t>
             </a:r>
           </a:p>
           <a:p>
@@ -14923,10 +14476,10 @@
       </p:sp>
       <p:pic>
         <p:nvPicPr>
-          <p:cNvPr id="3" name="Picture 2">
-            <a:extLst>
-              <a:ext uri="{FF2B5EF4-FFF2-40B4-BE49-F238E27FC236}">
-                <a16:creationId xmlns:a16="http://schemas.microsoft.com/office/drawing/2014/main" id="{05E88B5E-A7EC-44CA-A0EB-CFCE90A1EDEA}"/>
+          <p:cNvPr id="9" name="Picture 8">
+            <a:extLst>
+              <a:ext uri="{FF2B5EF4-FFF2-40B4-BE49-F238E27FC236}">
+                <a16:creationId xmlns:a16="http://schemas.microsoft.com/office/drawing/2014/main" id="{31B5EFC9-3C47-98EC-753E-85093BCE428A}"/>
               </a:ext>
             </a:extLst>
           </p:cNvPr>
@@ -14943,17 +14496,12 @@
         </p:blipFill>
         <p:spPr>
           <a:xfrm>
-            <a:off x="3950628" y="2304154"/>
-            <a:ext cx="6891081" cy="4463726"/>
+            <a:off x="3962701" y="2362149"/>
+            <a:ext cx="5534891" cy="4491428"/>
           </a:xfrm>
           <a:prstGeom prst="rect">
             <a:avLst/>
           </a:prstGeom>
-          <a:ln w="38100">
-            <a:solidFill>
-              <a:srgbClr val="395583"/>
-            </a:solidFill>
-          </a:ln>
         </p:spPr>
       </p:pic>
     </p:spTree>
@@ -15553,7 +15101,7 @@
                     </a:solidFill>
                     <a:latin typeface="Selawik Semibold" panose="020B0702040204020203" pitchFamily="34" charset="0"/>
                   </a:rPr>
-                  <a:t>Specific to Ichiro</a:t>
+                  <a:t>Specific to Trout</a:t>
                 </a:r>
               </a:p>
               <a:p>
@@ -15568,7 +15116,7 @@
                     </a:solidFill>
                     <a:latin typeface="Selawik Semibold" panose="020B0702040204020203" pitchFamily="34" charset="0"/>
                   </a:rPr>
-                  <a:t>Random Number &lt; 0.295 = Single</a:t>
+                  <a:t>Random Number &lt; 0.157 = Single</a:t>
                 </a:r>
               </a:p>
               <a:p>
@@ -15583,7 +15131,7 @@
                     </a:solidFill>
                     <a:latin typeface="Selawik Semibold" panose="020B0702040204020203" pitchFamily="34" charset="0"/>
                   </a:rPr>
-                  <a:t>0.295 &lt; Random Number &lt; (0.295+0.487) = Out (In-Play)</a:t>
+                  <a:t>0.157 &lt; Random Number &lt; (0.157+0.047) = Double</a:t>
                 </a:r>
               </a:p>
               <a:p>
@@ -16279,14 +15827,14 @@
           <p:nvPr>
             <p:extLst>
               <p:ext uri="{D42A27DB-BD31-4B8C-83A1-F6EECF244321}">
-                <p14:modId xmlns:p14="http://schemas.microsoft.com/office/powerpoint/2010/main" val="2524912932"/>
+                <p14:modId xmlns:p14="http://schemas.microsoft.com/office/powerpoint/2010/main" val="1995592979"/>
               </p:ext>
             </p:extLst>
           </p:nvPr>
         </p:nvGraphicFramePr>
         <p:xfrm>
-          <a:off x="3587854" y="2143858"/>
-          <a:ext cx="5395299" cy="2072640"/>
+          <a:off x="3555813" y="2092942"/>
+          <a:ext cx="7736896" cy="2590800"/>
         </p:xfrm>
         <a:graphic>
           <a:graphicData uri="http://schemas.openxmlformats.org/drawingml/2006/table">
@@ -16295,21 +15843,21 @@
                 <a:tableStyleId>{073A0DAA-6AF3-43AB-8588-CEC1D06C72B9}</a:tableStyleId>
               </a:tblPr>
               <a:tblGrid>
-                <a:gridCol w="1515161">
+                <a:gridCol w="2278207">
                   <a:extLst>
                     <a:ext uri="{9D8B030D-6E8A-4147-A177-3AD203B41FA5}">
                       <a16:colId xmlns:a16="http://schemas.microsoft.com/office/drawing/2014/main" val="2835210186"/>
                     </a:ext>
                   </a:extLst>
                 </a:gridCol>
-                <a:gridCol w="1940069">
+                <a:gridCol w="2641262">
                   <a:extLst>
                     <a:ext uri="{9D8B030D-6E8A-4147-A177-3AD203B41FA5}">
                       <a16:colId xmlns:a16="http://schemas.microsoft.com/office/drawing/2014/main" val="4130495014"/>
                     </a:ext>
                   </a:extLst>
                 </a:gridCol>
-                <a:gridCol w="1940069">
+                <a:gridCol w="2817427">
                   <a:extLst>
                     <a:ext uri="{9D8B030D-6E8A-4147-A177-3AD203B41FA5}">
                       <a16:colId xmlns:a16="http://schemas.microsoft.com/office/drawing/2014/main" val="1150487233"/>
@@ -16375,7 +15923,154 @@
                       <a:pPr algn="ctr"/>
                       <a:r>
                         <a:rPr lang="en-US" sz="2800" dirty="0"/>
-                        <a:t>Ichiro</a:t>
+                        <a:t>Trout</a:t>
+                      </a:r>
+                    </a:p>
+                  </a:txBody>
+                  <a:tcPr anchor="ctr"/>
+                </a:tc>
+                <a:tc>
+                  <a:txBody>
+                    <a:bodyPr/>
+                    <a:lstStyle/>
+                    <a:p>
+                      <a:pPr algn="ctr"/>
+                      <a:r>
+                        <a:rPr lang="en-US" sz="2800" dirty="0"/>
+                        <a:t>2016</a:t>
+                      </a:r>
+                    </a:p>
+                  </a:txBody>
+                  <a:tcPr anchor="ctr"/>
+                </a:tc>
+                <a:tc>
+                  <a:txBody>
+                    <a:bodyPr/>
+                    <a:lstStyle/>
+                    <a:p>
+                      <a:pPr algn="ctr"/>
+                      <a:r>
+                        <a:rPr lang="en-US" sz="2800" dirty="0"/>
+                        <a:t>9.38</a:t>
+                      </a:r>
+                    </a:p>
+                  </a:txBody>
+                  <a:tcPr anchor="ctr"/>
+                </a:tc>
+                <a:extLst>
+                  <a:ext uri="{0D108BD9-81ED-4DB2-BD59-A6C34878D82A}">
+                    <a16:rowId xmlns:a16="http://schemas.microsoft.com/office/drawing/2014/main" val="3435646284"/>
+                  </a:ext>
+                </a:extLst>
+              </a:tr>
+              <a:tr h="370840">
+                <a:tc>
+                  <a:txBody>
+                    <a:bodyPr/>
+                    <a:lstStyle/>
+                    <a:p>
+                      <a:pPr algn="ctr"/>
+                      <a:r>
+                        <a:rPr lang="en-US" sz="2800" dirty="0"/>
+                        <a:t>Bryant</a:t>
+                      </a:r>
+                    </a:p>
+                  </a:txBody>
+                  <a:tcPr anchor="ctr"/>
+                </a:tc>
+                <a:tc>
+                  <a:txBody>
+                    <a:bodyPr/>
+                    <a:lstStyle/>
+                    <a:p>
+                      <a:pPr algn="ctr"/>
+                      <a:r>
+                        <a:rPr lang="en-US" sz="2800" dirty="0"/>
+                        <a:t>2016</a:t>
+                      </a:r>
+                    </a:p>
+                  </a:txBody>
+                  <a:tcPr anchor="ctr"/>
+                </a:tc>
+                <a:tc>
+                  <a:txBody>
+                    <a:bodyPr/>
+                    <a:lstStyle/>
+                    <a:p>
+                      <a:pPr algn="ctr"/>
+                      <a:r>
+                        <a:rPr lang="en-US" sz="2800" dirty="0"/>
+                        <a:t>7.95</a:t>
+                      </a:r>
+                    </a:p>
+                  </a:txBody>
+                  <a:tcPr anchor="ctr"/>
+                </a:tc>
+                <a:extLst>
+                  <a:ext uri="{0D108BD9-81ED-4DB2-BD59-A6C34878D82A}">
+                    <a16:rowId xmlns:a16="http://schemas.microsoft.com/office/drawing/2014/main" val="3892039362"/>
+                  </a:ext>
+                </a:extLst>
+              </a:tr>
+              <a:tr h="370840">
+                <a:tc>
+                  <a:txBody>
+                    <a:bodyPr/>
+                    <a:lstStyle/>
+                    <a:p>
+                      <a:pPr algn="ctr"/>
+                      <a:r>
+                        <a:rPr lang="en-US" sz="2800" dirty="0"/>
+                        <a:t>Cabrera</a:t>
+                      </a:r>
+                    </a:p>
+                  </a:txBody>
+                  <a:tcPr anchor="ctr"/>
+                </a:tc>
+                <a:tc>
+                  <a:txBody>
+                    <a:bodyPr/>
+                    <a:lstStyle/>
+                    <a:p>
+                      <a:pPr algn="ctr"/>
+                      <a:r>
+                        <a:rPr lang="en-US" sz="2800" dirty="0"/>
+                        <a:t>2013</a:t>
+                      </a:r>
+                    </a:p>
+                  </a:txBody>
+                  <a:tcPr anchor="ctr"/>
+                </a:tc>
+                <a:tc>
+                  <a:txBody>
+                    <a:bodyPr/>
+                    <a:lstStyle/>
+                    <a:p>
+                      <a:pPr algn="ctr"/>
+                      <a:r>
+                        <a:rPr lang="en-US" sz="2800" dirty="0"/>
+                        <a:t>10.24</a:t>
+                      </a:r>
+                    </a:p>
+                  </a:txBody>
+                  <a:tcPr anchor="ctr"/>
+                </a:tc>
+                <a:extLst>
+                  <a:ext uri="{0D108BD9-81ED-4DB2-BD59-A6C34878D82A}">
+                    <a16:rowId xmlns:a16="http://schemas.microsoft.com/office/drawing/2014/main" val="2405592873"/>
+                  </a:ext>
+                </a:extLst>
+              </a:tr>
+              <a:tr h="370840">
+                <a:tc>
+                  <a:txBody>
+                    <a:bodyPr/>
+                    <a:lstStyle/>
+                    <a:p>
+                      <a:pPr algn="ctr"/>
+                      <a:r>
+                        <a:rPr lang="en-US" sz="2800" dirty="0"/>
+                        <a:t>Bonds</a:t>
                       </a:r>
                     </a:p>
                   </a:txBody>
@@ -16403,106 +16098,6 @@
                       <a:pPr algn="ctr"/>
                       <a:r>
                         <a:rPr lang="en-US" sz="2800" dirty="0"/>
-                        <a:t>6.92</a:t>
-                      </a:r>
-                    </a:p>
-                  </a:txBody>
-                  <a:tcPr anchor="ctr"/>
-                </a:tc>
-                <a:extLst>
-                  <a:ext uri="{0D108BD9-81ED-4DB2-BD59-A6C34878D82A}">
-                    <a16:rowId xmlns:a16="http://schemas.microsoft.com/office/drawing/2014/main" val="3435646284"/>
-                  </a:ext>
-                </a:extLst>
-              </a:tr>
-              <a:tr h="370840">
-                <a:tc>
-                  <a:txBody>
-                    <a:bodyPr/>
-                    <a:lstStyle/>
-                    <a:p>
-                      <a:pPr algn="ctr"/>
-                      <a:r>
-                        <a:rPr lang="en-US" sz="2800" dirty="0" err="1"/>
-                        <a:t>Nomar</a:t>
-                      </a:r>
-                      <a:endParaRPr lang="en-US" sz="2800" dirty="0"/>
-                    </a:p>
-                  </a:txBody>
-                  <a:tcPr anchor="ctr"/>
-                </a:tc>
-                <a:tc>
-                  <a:txBody>
-                    <a:bodyPr/>
-                    <a:lstStyle/>
-                    <a:p>
-                      <a:pPr algn="ctr"/>
-                      <a:r>
-                        <a:rPr lang="en-US" sz="2800" dirty="0"/>
-                        <a:t>1997</a:t>
-                      </a:r>
-                    </a:p>
-                  </a:txBody>
-                  <a:tcPr anchor="ctr"/>
-                </a:tc>
-                <a:tc>
-                  <a:txBody>
-                    <a:bodyPr/>
-                    <a:lstStyle/>
-                    <a:p>
-                      <a:pPr algn="ctr"/>
-                      <a:r>
-                        <a:rPr lang="en-US" sz="2800" dirty="0"/>
-                        <a:t>5.91</a:t>
-                      </a:r>
-                    </a:p>
-                  </a:txBody>
-                  <a:tcPr anchor="ctr"/>
-                </a:tc>
-                <a:extLst>
-                  <a:ext uri="{0D108BD9-81ED-4DB2-BD59-A6C34878D82A}">
-                    <a16:rowId xmlns:a16="http://schemas.microsoft.com/office/drawing/2014/main" val="3892039362"/>
-                  </a:ext>
-                </a:extLst>
-              </a:tr>
-              <a:tr h="370840">
-                <a:tc>
-                  <a:txBody>
-                    <a:bodyPr/>
-                    <a:lstStyle/>
-                    <a:p>
-                      <a:pPr algn="ctr"/>
-                      <a:r>
-                        <a:rPr lang="en-US" sz="2800" dirty="0"/>
-                        <a:t>Bonds</a:t>
-                      </a:r>
-                    </a:p>
-                  </a:txBody>
-                  <a:tcPr anchor="ctr"/>
-                </a:tc>
-                <a:tc>
-                  <a:txBody>
-                    <a:bodyPr/>
-                    <a:lstStyle/>
-                    <a:p>
-                      <a:pPr algn="ctr"/>
-                      <a:r>
-                        <a:rPr lang="en-US" sz="2800"/>
-                        <a:t>2004</a:t>
-                      </a:r>
-                      <a:endParaRPr lang="en-US" sz="2800" dirty="0"/>
-                    </a:p>
-                  </a:txBody>
-                  <a:tcPr anchor="ctr"/>
-                </a:tc>
-                <a:tc>
-                  <a:txBody>
-                    <a:bodyPr/>
-                    <a:lstStyle/>
-                    <a:p>
-                      <a:pPr algn="ctr"/>
-                      <a:r>
-                        <a:rPr lang="en-US" sz="2800" dirty="0"/>
                         <a:t>21.02</a:t>
                       </a:r>
                     </a:p>
@@ -16511,7 +16106,7 @@
                 </a:tc>
                 <a:extLst>
                   <a:ext uri="{0D108BD9-81ED-4DB2-BD59-A6C34878D82A}">
-                    <a16:rowId xmlns:a16="http://schemas.microsoft.com/office/drawing/2014/main" val="2405592873"/>
+                    <a16:rowId xmlns:a16="http://schemas.microsoft.com/office/drawing/2014/main" val="2056443623"/>
                   </a:ext>
                 </a:extLst>
               </a:tr>
@@ -16533,7 +16128,7 @@
         </p:nvSpPr>
         <p:spPr>
           <a:xfrm>
-            <a:off x="7424261" y="3680171"/>
+            <a:off x="6588363" y="4127225"/>
             <a:ext cx="1175657" cy="605641"/>
           </a:xfrm>
           <a:prstGeom prst="ellipse">
@@ -16588,7 +16183,7 @@
         </p:nvCxnSpPr>
         <p:spPr>
           <a:xfrm>
-            <a:off x="8012090" y="4285812"/>
+            <a:off x="7176192" y="4732866"/>
             <a:ext cx="0" cy="1051396"/>
           </a:xfrm>
           <a:prstGeom prst="straightConnector1">

--- a/Slides/Baseball 4/Baseball_4_Lecture.pptx
+++ b/Slides/Baseball 4/Baseball_4_Lecture.pptx
@@ -213,7 +213,7 @@
           <a:p>
             <a:fld id="{C04E5E84-956F-4423-97B3-5936A6D8EEEE}" type="datetimeFigureOut">
               <a:rPr lang="en-US" smtClean="0"/>
-              <a:t>1/28/2023</a:t>
+              <a:t>2/6/2023</a:t>
             </a:fld>
             <a:endParaRPr lang="en-US"/>
           </a:p>
@@ -627,7 +627,7 @@
           <a:p>
             <a:fld id="{3881C039-66A3-4640-815B-3B5A8B7D868D}" type="datetimeFigureOut">
               <a:rPr lang="en-US" smtClean="0"/>
-              <a:t>1/28/2023</a:t>
+              <a:t>2/6/2023</a:t>
             </a:fld>
             <a:endParaRPr lang="en-US"/>
           </a:p>
@@ -825,7 +825,7 @@
           <a:p>
             <a:fld id="{3881C039-66A3-4640-815B-3B5A8B7D868D}" type="datetimeFigureOut">
               <a:rPr lang="en-US" smtClean="0"/>
-              <a:t>1/28/2023</a:t>
+              <a:t>2/6/2023</a:t>
             </a:fld>
             <a:endParaRPr lang="en-US"/>
           </a:p>
@@ -1033,7 +1033,7 @@
           <a:p>
             <a:fld id="{3881C039-66A3-4640-815B-3B5A8B7D868D}" type="datetimeFigureOut">
               <a:rPr lang="en-US" smtClean="0"/>
-              <a:t>1/28/2023</a:t>
+              <a:t>2/6/2023</a:t>
             </a:fld>
             <a:endParaRPr lang="en-US"/>
           </a:p>
@@ -1231,7 +1231,7 @@
           <a:p>
             <a:fld id="{3881C039-66A3-4640-815B-3B5A8B7D868D}" type="datetimeFigureOut">
               <a:rPr lang="en-US" smtClean="0"/>
-              <a:t>1/28/2023</a:t>
+              <a:t>2/6/2023</a:t>
             </a:fld>
             <a:endParaRPr lang="en-US"/>
           </a:p>
@@ -1506,7 +1506,7 @@
           <a:p>
             <a:fld id="{3881C039-66A3-4640-815B-3B5A8B7D868D}" type="datetimeFigureOut">
               <a:rPr lang="en-US" smtClean="0"/>
-              <a:t>1/28/2023</a:t>
+              <a:t>2/6/2023</a:t>
             </a:fld>
             <a:endParaRPr lang="en-US"/>
           </a:p>
@@ -1771,7 +1771,7 @@
           <a:p>
             <a:fld id="{3881C039-66A3-4640-815B-3B5A8B7D868D}" type="datetimeFigureOut">
               <a:rPr lang="en-US" smtClean="0"/>
-              <a:t>1/28/2023</a:t>
+              <a:t>2/6/2023</a:t>
             </a:fld>
             <a:endParaRPr lang="en-US"/>
           </a:p>
@@ -2183,7 +2183,7 @@
           <a:p>
             <a:fld id="{3881C039-66A3-4640-815B-3B5A8B7D868D}" type="datetimeFigureOut">
               <a:rPr lang="en-US" smtClean="0"/>
-              <a:t>1/28/2023</a:t>
+              <a:t>2/6/2023</a:t>
             </a:fld>
             <a:endParaRPr lang="en-US"/>
           </a:p>
@@ -2324,7 +2324,7 @@
           <a:p>
             <a:fld id="{3881C039-66A3-4640-815B-3B5A8B7D868D}" type="datetimeFigureOut">
               <a:rPr lang="en-US" smtClean="0"/>
-              <a:t>1/28/2023</a:t>
+              <a:t>2/6/2023</a:t>
             </a:fld>
             <a:endParaRPr lang="en-US"/>
           </a:p>
@@ -2437,7 +2437,7 @@
           <a:p>
             <a:fld id="{3881C039-66A3-4640-815B-3B5A8B7D868D}" type="datetimeFigureOut">
               <a:rPr lang="en-US" smtClean="0"/>
-              <a:t>1/28/2023</a:t>
+              <a:t>2/6/2023</a:t>
             </a:fld>
             <a:endParaRPr lang="en-US"/>
           </a:p>
@@ -2748,7 +2748,7 @@
           <a:p>
             <a:fld id="{3881C039-66A3-4640-815B-3B5A8B7D868D}" type="datetimeFigureOut">
               <a:rPr lang="en-US" smtClean="0"/>
-              <a:t>1/28/2023</a:t>
+              <a:t>2/6/2023</a:t>
             </a:fld>
             <a:endParaRPr lang="en-US"/>
           </a:p>
@@ -3036,7 +3036,7 @@
           <a:p>
             <a:fld id="{3881C039-66A3-4640-815B-3B5A8B7D868D}" type="datetimeFigureOut">
               <a:rPr lang="en-US" smtClean="0"/>
-              <a:t>1/28/2023</a:t>
+              <a:t>2/6/2023</a:t>
             </a:fld>
             <a:endParaRPr lang="en-US"/>
           </a:p>
@@ -3280,7 +3280,7 @@
           <a:p>
             <a:fld id="{3881C039-66A3-4640-815B-3B5A8B7D868D}" type="datetimeFigureOut">
               <a:rPr lang="en-US" smtClean="0"/>
-              <a:t>1/28/2023</a:t>
+              <a:t>2/6/2023</a:t>
             </a:fld>
             <a:endParaRPr lang="en-US"/>
           </a:p>
@@ -9270,8 +9270,8 @@
           </a:p>
         </p:txBody>
       </p:sp>
-      <mc:AlternateContent xmlns:mc="http://schemas.openxmlformats.org/markup-compatibility/2006">
-        <mc:Choice xmlns:a14="http://schemas.microsoft.com/office/drawing/2010/main" Requires="a14">
+      <mc:AlternateContent xmlns:mc="http://schemas.openxmlformats.org/markup-compatibility/2006" xmlns:a14="http://schemas.microsoft.com/office/drawing/2010/main">
+        <mc:Choice Requires="a14">
           <p:sp>
             <p:nvSpPr>
               <p:cNvPr id="14" name="TextBox 13">
@@ -9493,7 +9493,7 @@
             </p:txBody>
           </p:sp>
         </mc:Choice>
-        <mc:Fallback>
+        <mc:Fallback xmlns="">
           <p:sp>
             <p:nvSpPr>
               <p:cNvPr id="14" name="TextBox 13">
@@ -9644,8 +9644,8 @@
             </a:fontRef>
           </p:style>
         </p:cxnSp>
-        <mc:AlternateContent xmlns:mc="http://schemas.openxmlformats.org/markup-compatibility/2006">
-          <mc:Choice xmlns:a14="http://schemas.microsoft.com/office/drawing/2010/main" Requires="a14">
+        <mc:AlternateContent xmlns:mc="http://schemas.openxmlformats.org/markup-compatibility/2006" xmlns:a14="http://schemas.microsoft.com/office/drawing/2010/main">
+          <mc:Choice Requires="a14">
             <p:sp>
               <p:nvSpPr>
                 <p:cNvPr id="19" name="TextBox 18">
@@ -9878,7 +9878,7 @@
               </p:txBody>
             </p:sp>
           </mc:Choice>
-          <mc:Fallback>
+          <mc:Fallback xmlns="">
             <p:sp>
               <p:nvSpPr>
                 <p:cNvPr id="19" name="TextBox 18">
@@ -14895,8 +14895,8 @@
           </a:p>
         </p:txBody>
       </p:sp>
-      <mc:AlternateContent xmlns:mc="http://schemas.openxmlformats.org/markup-compatibility/2006" xmlns:a14="http://schemas.microsoft.com/office/drawing/2010/main">
-        <mc:Choice Requires="a14">
+      <mc:AlternateContent xmlns:mc="http://schemas.openxmlformats.org/markup-compatibility/2006">
+        <mc:Choice xmlns:a14="http://schemas.microsoft.com/office/drawing/2010/main" Requires="a14">
           <p:sp>
             <p:nvSpPr>
               <p:cNvPr id="10" name="TextBox 9">
@@ -14939,13 +14939,13 @@
                   <a:t>Simulating Runs from Team Full of </a:t>
                 </a:r>
                 <a:r>
-                  <a:rPr lang="en-US" sz="2400" dirty="0" err="1">
+                  <a:rPr lang="en-US" sz="2400">
                     <a:solidFill>
                       <a:schemeClr val="bg1"/>
                     </a:solidFill>
                     <a:latin typeface="Selawik Semibold" panose="020B0702040204020203" pitchFamily="34" charset="0"/>
                   </a:rPr>
-                  <a:t>Ichiros</a:t>
+                  <a:t>Trouts</a:t>
                 </a:r>
                 <a:endParaRPr lang="en-US" sz="2400" dirty="0">
                   <a:solidFill>
@@ -15290,7 +15290,7 @@
             </p:txBody>
           </p:sp>
         </mc:Choice>
-        <mc:Fallback xmlns="">
+        <mc:Fallback>
           <p:sp>
             <p:nvSpPr>
               <p:cNvPr id="10" name="TextBox 9">
